--- a/Recap/Recap SW2 Yves.pptx
+++ b/Recap/Recap SW2 Yves.pptx
@@ -4,12 +4,20 @@
   <p:sldMasterIdLst>
     <p:sldMasterId id="2147483648" r:id="rId1"/>
   </p:sldMasterIdLst>
+  <p:notesMasterIdLst>
+    <p:notesMasterId r:id="rId12"/>
+  </p:notesMasterIdLst>
   <p:sldIdLst>
     <p:sldId id="256" r:id="rId2"/>
     <p:sldId id="257" r:id="rId3"/>
-    <p:sldId id="258" r:id="rId4"/>
-    <p:sldId id="259" r:id="rId5"/>
+    <p:sldId id="259" r:id="rId4"/>
+    <p:sldId id="261" r:id="rId5"/>
     <p:sldId id="260" r:id="rId6"/>
+    <p:sldId id="262" r:id="rId7"/>
+    <p:sldId id="263" r:id="rId8"/>
+    <p:sldId id="264" r:id="rId9"/>
+    <p:sldId id="265" r:id="rId10"/>
+    <p:sldId id="266" r:id="rId11"/>
   </p:sldIdLst>
   <p:sldSz cx="12192000" cy="6858000"/>
   <p:notesSz cx="6858000" cy="9144000"/>
@@ -108,7 +116,492 @@
       </a:defRPr>
     </a:lvl9pPr>
   </p:defaultTextStyle>
+  <p:extLst>
+    <p:ext uri="{EFAFB233-063F-42B5-8137-9DF3F51BA10A}">
+      <p15:sldGuideLst xmlns:p15="http://schemas.microsoft.com/office/powerpoint/2012/main">
+        <p15:guide id="1" orient="horz" pos="2160">
+          <p15:clr>
+            <a:srgbClr val="A4A3A4"/>
+          </p15:clr>
+        </p15:guide>
+        <p15:guide id="2" pos="3840">
+          <p15:clr>
+            <a:srgbClr val="A4A3A4"/>
+          </p15:clr>
+        </p15:guide>
+      </p15:sldGuideLst>
+    </p:ext>
+  </p:extLst>
 </p:presentation>
+</file>
+
+<file path=ppt/notesMasters/notesMaster1.xml><?xml version="1.0" encoding="utf-8"?>
+<p:notesMaster xmlns:a="http://schemas.openxmlformats.org/drawingml/2006/main" xmlns:r="http://schemas.openxmlformats.org/officeDocument/2006/relationships" xmlns:p="http://schemas.openxmlformats.org/presentationml/2006/main">
+  <p:cSld>
+    <p:bg>
+      <p:bgRef idx="1001">
+        <a:schemeClr val="bg1"/>
+      </p:bgRef>
+    </p:bg>
+    <p:spTree>
+      <p:nvGrpSpPr>
+        <p:cNvPr id="1" name=""/>
+        <p:cNvGrpSpPr/>
+        <p:nvPr/>
+      </p:nvGrpSpPr>
+      <p:grpSpPr>
+        <a:xfrm>
+          <a:off x="0" y="0"/>
+          <a:ext cx="0" cy="0"/>
+          <a:chOff x="0" y="0"/>
+          <a:chExt cx="0" cy="0"/>
+        </a:xfrm>
+      </p:grpSpPr>
+      <p:sp>
+        <p:nvSpPr>
+          <p:cNvPr id="2" name="Kopfzeilenplatzhalter 1"/>
+          <p:cNvSpPr>
+            <a:spLocks noGrp="1"/>
+          </p:cNvSpPr>
+          <p:nvPr>
+            <p:ph type="hdr" sz="quarter"/>
+          </p:nvPr>
+        </p:nvSpPr>
+        <p:spPr>
+          <a:xfrm>
+            <a:off x="0" y="0"/>
+            <a:ext cx="2971800" cy="458788"/>
+          </a:xfrm>
+          <a:prstGeom prst="rect">
+            <a:avLst/>
+          </a:prstGeom>
+        </p:spPr>
+        <p:txBody>
+          <a:bodyPr vert="horz" lIns="91440" tIns="45720" rIns="91440" bIns="45720" rtlCol="0"/>
+          <a:lstStyle>
+            <a:lvl1pPr algn="l">
+              <a:defRPr sz="1200"/>
+            </a:lvl1pPr>
+          </a:lstStyle>
+          <a:p>
+            <a:endParaRPr lang="en-GB"/>
+          </a:p>
+        </p:txBody>
+      </p:sp>
+      <p:sp>
+        <p:nvSpPr>
+          <p:cNvPr id="3" name="Datumsplatzhalter 2"/>
+          <p:cNvSpPr>
+            <a:spLocks noGrp="1"/>
+          </p:cNvSpPr>
+          <p:nvPr>
+            <p:ph type="dt" idx="1"/>
+          </p:nvPr>
+        </p:nvSpPr>
+        <p:spPr>
+          <a:xfrm>
+            <a:off x="3884613" y="0"/>
+            <a:ext cx="2971800" cy="458788"/>
+          </a:xfrm>
+          <a:prstGeom prst="rect">
+            <a:avLst/>
+          </a:prstGeom>
+        </p:spPr>
+        <p:txBody>
+          <a:bodyPr vert="horz" lIns="91440" tIns="45720" rIns="91440" bIns="45720" rtlCol="0"/>
+          <a:lstStyle>
+            <a:lvl1pPr algn="r">
+              <a:defRPr sz="1200"/>
+            </a:lvl1pPr>
+          </a:lstStyle>
+          <a:p>
+            <a:fld id="{93B493AD-FEE5-464E-9BF9-EB42E18EAF28}" type="datetimeFigureOut">
+              <a:rPr lang="en-GB" smtClean="0"/>
+              <a:t>10/03/2014</a:t>
+            </a:fld>
+            <a:endParaRPr lang="en-GB"/>
+          </a:p>
+        </p:txBody>
+      </p:sp>
+      <p:sp>
+        <p:nvSpPr>
+          <p:cNvPr id="4" name="Folienbildplatzhalter 3"/>
+          <p:cNvSpPr>
+            <a:spLocks noGrp="1" noRot="1" noChangeAspect="1"/>
+          </p:cNvSpPr>
+          <p:nvPr>
+            <p:ph type="sldImg" idx="2"/>
+          </p:nvPr>
+        </p:nvSpPr>
+        <p:spPr>
+          <a:xfrm>
+            <a:off x="685800" y="1143000"/>
+            <a:ext cx="5486400" cy="3086100"/>
+          </a:xfrm>
+          <a:prstGeom prst="rect">
+            <a:avLst/>
+          </a:prstGeom>
+          <a:noFill/>
+          <a:ln w="12700">
+            <a:solidFill>
+              <a:prstClr val="black"/>
+            </a:solidFill>
+          </a:ln>
+        </p:spPr>
+        <p:txBody>
+          <a:bodyPr vert="horz" lIns="91440" tIns="45720" rIns="91440" bIns="45720" rtlCol="0" anchor="ctr"/>
+          <a:lstStyle/>
+          <a:p>
+            <a:endParaRPr lang="en-GB"/>
+          </a:p>
+        </p:txBody>
+      </p:sp>
+      <p:sp>
+        <p:nvSpPr>
+          <p:cNvPr id="5" name="Notizenplatzhalter 4"/>
+          <p:cNvSpPr>
+            <a:spLocks noGrp="1"/>
+          </p:cNvSpPr>
+          <p:nvPr>
+            <p:ph type="body" sz="quarter" idx="3"/>
+          </p:nvPr>
+        </p:nvSpPr>
+        <p:spPr>
+          <a:xfrm>
+            <a:off x="685800" y="4400550"/>
+            <a:ext cx="5486400" cy="3600450"/>
+          </a:xfrm>
+          <a:prstGeom prst="rect">
+            <a:avLst/>
+          </a:prstGeom>
+        </p:spPr>
+        <p:txBody>
+          <a:bodyPr vert="horz" lIns="91440" tIns="45720" rIns="91440" bIns="45720" rtlCol="0"/>
+          <a:lstStyle/>
+          <a:p>
+            <a:pPr lvl="0"/>
+            <a:r>
+              <a:rPr lang="de-DE" smtClean="0"/>
+              <a:t>Textmasterformat bearbeiten</a:t>
+            </a:r>
+          </a:p>
+          <a:p>
+            <a:pPr lvl="1"/>
+            <a:r>
+              <a:rPr lang="de-DE" smtClean="0"/>
+              <a:t>Zweite Ebene</a:t>
+            </a:r>
+          </a:p>
+          <a:p>
+            <a:pPr lvl="2"/>
+            <a:r>
+              <a:rPr lang="de-DE" smtClean="0"/>
+              <a:t>Dritte Ebene</a:t>
+            </a:r>
+          </a:p>
+          <a:p>
+            <a:pPr lvl="3"/>
+            <a:r>
+              <a:rPr lang="de-DE" smtClean="0"/>
+              <a:t>Vierte Ebene</a:t>
+            </a:r>
+          </a:p>
+          <a:p>
+            <a:pPr lvl="4"/>
+            <a:r>
+              <a:rPr lang="de-DE" smtClean="0"/>
+              <a:t>Fünfte Ebene</a:t>
+            </a:r>
+            <a:endParaRPr lang="en-GB"/>
+          </a:p>
+        </p:txBody>
+      </p:sp>
+      <p:sp>
+        <p:nvSpPr>
+          <p:cNvPr id="6" name="Fußzeilenplatzhalter 5"/>
+          <p:cNvSpPr>
+            <a:spLocks noGrp="1"/>
+          </p:cNvSpPr>
+          <p:nvPr>
+            <p:ph type="ftr" sz="quarter" idx="4"/>
+          </p:nvPr>
+        </p:nvSpPr>
+        <p:spPr>
+          <a:xfrm>
+            <a:off x="0" y="8685213"/>
+            <a:ext cx="2971800" cy="458787"/>
+          </a:xfrm>
+          <a:prstGeom prst="rect">
+            <a:avLst/>
+          </a:prstGeom>
+        </p:spPr>
+        <p:txBody>
+          <a:bodyPr vert="horz" lIns="91440" tIns="45720" rIns="91440" bIns="45720" rtlCol="0" anchor="b"/>
+          <a:lstStyle>
+            <a:lvl1pPr algn="l">
+              <a:defRPr sz="1200"/>
+            </a:lvl1pPr>
+          </a:lstStyle>
+          <a:p>
+            <a:endParaRPr lang="en-GB"/>
+          </a:p>
+        </p:txBody>
+      </p:sp>
+      <p:sp>
+        <p:nvSpPr>
+          <p:cNvPr id="7" name="Foliennummernplatzhalter 6"/>
+          <p:cNvSpPr>
+            <a:spLocks noGrp="1"/>
+          </p:cNvSpPr>
+          <p:nvPr>
+            <p:ph type="sldNum" sz="quarter" idx="5"/>
+          </p:nvPr>
+        </p:nvSpPr>
+        <p:spPr>
+          <a:xfrm>
+            <a:off x="3884613" y="8685213"/>
+            <a:ext cx="2971800" cy="458787"/>
+          </a:xfrm>
+          <a:prstGeom prst="rect">
+            <a:avLst/>
+          </a:prstGeom>
+        </p:spPr>
+        <p:txBody>
+          <a:bodyPr vert="horz" lIns="91440" tIns="45720" rIns="91440" bIns="45720" rtlCol="0" anchor="b"/>
+          <a:lstStyle>
+            <a:lvl1pPr algn="r">
+              <a:defRPr sz="1200"/>
+            </a:lvl1pPr>
+          </a:lstStyle>
+          <a:p>
+            <a:fld id="{55E8FBEE-7CE3-4659-92E7-0BBBA7AD52DF}" type="slidenum">
+              <a:rPr lang="en-GB" smtClean="0"/>
+              <a:t>‹Nr.›</a:t>
+            </a:fld>
+            <a:endParaRPr lang="en-GB"/>
+          </a:p>
+        </p:txBody>
+      </p:sp>
+    </p:spTree>
+    <p:extLst>
+      <p:ext uri="{BB962C8B-B14F-4D97-AF65-F5344CB8AC3E}">
+        <p14:creationId xmlns:p14="http://schemas.microsoft.com/office/powerpoint/2010/main" val="1559516976"/>
+      </p:ext>
+    </p:extLst>
+  </p:cSld>
+  <p:clrMap bg1="lt1" tx1="dk1" bg2="lt2" tx2="dk2" accent1="accent1" accent2="accent2" accent3="accent3" accent4="accent4" accent5="accent5" accent6="accent6" hlink="hlink" folHlink="folHlink"/>
+  <p:notesStyle>
+    <a:lvl1pPr marL="0" algn="l" defTabSz="914400" rtl="0" eaLnBrk="1" latinLnBrk="0" hangingPunct="1">
+      <a:defRPr sz="1200" kern="1200">
+        <a:solidFill>
+          <a:schemeClr val="tx1"/>
+        </a:solidFill>
+        <a:latin typeface="+mn-lt"/>
+        <a:ea typeface="+mn-ea"/>
+        <a:cs typeface="+mn-cs"/>
+      </a:defRPr>
+    </a:lvl1pPr>
+    <a:lvl2pPr marL="457200" algn="l" defTabSz="914400" rtl="0" eaLnBrk="1" latinLnBrk="0" hangingPunct="1">
+      <a:defRPr sz="1200" kern="1200">
+        <a:solidFill>
+          <a:schemeClr val="tx1"/>
+        </a:solidFill>
+        <a:latin typeface="+mn-lt"/>
+        <a:ea typeface="+mn-ea"/>
+        <a:cs typeface="+mn-cs"/>
+      </a:defRPr>
+    </a:lvl2pPr>
+    <a:lvl3pPr marL="914400" algn="l" defTabSz="914400" rtl="0" eaLnBrk="1" latinLnBrk="0" hangingPunct="1">
+      <a:defRPr sz="1200" kern="1200">
+        <a:solidFill>
+          <a:schemeClr val="tx1"/>
+        </a:solidFill>
+        <a:latin typeface="+mn-lt"/>
+        <a:ea typeface="+mn-ea"/>
+        <a:cs typeface="+mn-cs"/>
+      </a:defRPr>
+    </a:lvl3pPr>
+    <a:lvl4pPr marL="1371600" algn="l" defTabSz="914400" rtl="0" eaLnBrk="1" latinLnBrk="0" hangingPunct="1">
+      <a:defRPr sz="1200" kern="1200">
+        <a:solidFill>
+          <a:schemeClr val="tx1"/>
+        </a:solidFill>
+        <a:latin typeface="+mn-lt"/>
+        <a:ea typeface="+mn-ea"/>
+        <a:cs typeface="+mn-cs"/>
+      </a:defRPr>
+    </a:lvl4pPr>
+    <a:lvl5pPr marL="1828800" algn="l" defTabSz="914400" rtl="0" eaLnBrk="1" latinLnBrk="0" hangingPunct="1">
+      <a:defRPr sz="1200" kern="1200">
+        <a:solidFill>
+          <a:schemeClr val="tx1"/>
+        </a:solidFill>
+        <a:latin typeface="+mn-lt"/>
+        <a:ea typeface="+mn-ea"/>
+        <a:cs typeface="+mn-cs"/>
+      </a:defRPr>
+    </a:lvl5pPr>
+    <a:lvl6pPr marL="2286000" algn="l" defTabSz="914400" rtl="0" eaLnBrk="1" latinLnBrk="0" hangingPunct="1">
+      <a:defRPr sz="1200" kern="1200">
+        <a:solidFill>
+          <a:schemeClr val="tx1"/>
+        </a:solidFill>
+        <a:latin typeface="+mn-lt"/>
+        <a:ea typeface="+mn-ea"/>
+        <a:cs typeface="+mn-cs"/>
+      </a:defRPr>
+    </a:lvl6pPr>
+    <a:lvl7pPr marL="2743200" algn="l" defTabSz="914400" rtl="0" eaLnBrk="1" latinLnBrk="0" hangingPunct="1">
+      <a:defRPr sz="1200" kern="1200">
+        <a:solidFill>
+          <a:schemeClr val="tx1"/>
+        </a:solidFill>
+        <a:latin typeface="+mn-lt"/>
+        <a:ea typeface="+mn-ea"/>
+        <a:cs typeface="+mn-cs"/>
+      </a:defRPr>
+    </a:lvl7pPr>
+    <a:lvl8pPr marL="3200400" algn="l" defTabSz="914400" rtl="0" eaLnBrk="1" latinLnBrk="0" hangingPunct="1">
+      <a:defRPr sz="1200" kern="1200">
+        <a:solidFill>
+          <a:schemeClr val="tx1"/>
+        </a:solidFill>
+        <a:latin typeface="+mn-lt"/>
+        <a:ea typeface="+mn-ea"/>
+        <a:cs typeface="+mn-cs"/>
+      </a:defRPr>
+    </a:lvl8pPr>
+    <a:lvl9pPr marL="3657600" algn="l" defTabSz="914400" rtl="0" eaLnBrk="1" latinLnBrk="0" hangingPunct="1">
+      <a:defRPr sz="1200" kern="1200">
+        <a:solidFill>
+          <a:schemeClr val="tx1"/>
+        </a:solidFill>
+        <a:latin typeface="+mn-lt"/>
+        <a:ea typeface="+mn-ea"/>
+        <a:cs typeface="+mn-cs"/>
+      </a:defRPr>
+    </a:lvl9pPr>
+  </p:notesStyle>
+</p:notesMaster>
+</file>
+
+<file path=ppt/notesSlides/notesSlide1.xml><?xml version="1.0" encoding="utf-8"?>
+<p:notes xmlns:a="http://schemas.openxmlformats.org/drawingml/2006/main" xmlns:r="http://schemas.openxmlformats.org/officeDocument/2006/relationships" xmlns:p="http://schemas.openxmlformats.org/presentationml/2006/main">
+  <p:cSld>
+    <p:spTree>
+      <p:nvGrpSpPr>
+        <p:cNvPr id="1" name=""/>
+        <p:cNvGrpSpPr/>
+        <p:nvPr/>
+      </p:nvGrpSpPr>
+      <p:grpSpPr>
+        <a:xfrm>
+          <a:off x="0" y="0"/>
+          <a:ext cx="0" cy="0"/>
+          <a:chOff x="0" y="0"/>
+          <a:chExt cx="0" cy="0"/>
+        </a:xfrm>
+      </p:grpSpPr>
+      <p:sp>
+        <p:nvSpPr>
+          <p:cNvPr id="2" name="Folienbildplatzhalter 1"/>
+          <p:cNvSpPr>
+            <a:spLocks noGrp="1" noRot="1" noChangeAspect="1"/>
+          </p:cNvSpPr>
+          <p:nvPr>
+            <p:ph type="sldImg"/>
+          </p:nvPr>
+        </p:nvSpPr>
+        <p:spPr/>
+      </p:sp>
+      <p:sp>
+        <p:nvSpPr>
+          <p:cNvPr id="3" name="Notizenplatzhalter 2"/>
+          <p:cNvSpPr>
+            <a:spLocks noGrp="1"/>
+          </p:cNvSpPr>
+          <p:nvPr>
+            <p:ph type="body" idx="1"/>
+          </p:nvPr>
+        </p:nvSpPr>
+        <p:spPr/>
+        <p:txBody>
+          <a:bodyPr/>
+          <a:lstStyle/>
+          <a:p>
+            <a:r>
+              <a:rPr lang="de-CH" dirty="0" smtClean="0"/>
+              <a:t>Place </a:t>
+            </a:r>
+            <a:r>
+              <a:rPr lang="de-CH" dirty="0" err="1" smtClean="0"/>
+              <a:t>macros</a:t>
+            </a:r>
+            <a:r>
+              <a:rPr lang="de-CH" baseline="0" dirty="0" smtClean="0"/>
+              <a:t> in </a:t>
+            </a:r>
+            <a:r>
+              <a:rPr lang="de-CH" baseline="0" dirty="0" err="1" smtClean="0"/>
+              <a:t>platform.h</a:t>
+            </a:r>
+            <a:r>
+              <a:rPr lang="de-CH" baseline="0" dirty="0" smtClean="0"/>
+              <a:t> </a:t>
+            </a:r>
+            <a:r>
+              <a:rPr lang="de-CH" baseline="0" dirty="0" err="1" smtClean="0"/>
+              <a:t>or</a:t>
+            </a:r>
+            <a:r>
+              <a:rPr lang="de-CH" baseline="0" dirty="0" smtClean="0"/>
+              <a:t> </a:t>
+            </a:r>
+            <a:r>
+              <a:rPr lang="de-CH" baseline="0" dirty="0" err="1" smtClean="0"/>
+              <a:t>config.h</a:t>
+            </a:r>
+            <a:endParaRPr lang="de-CH" baseline="0" dirty="0" smtClean="0"/>
+          </a:p>
+          <a:p>
+            <a:endParaRPr lang="en-GB" dirty="0"/>
+          </a:p>
+        </p:txBody>
+      </p:sp>
+      <p:sp>
+        <p:nvSpPr>
+          <p:cNvPr id="4" name="Foliennummernplatzhalter 3"/>
+          <p:cNvSpPr>
+            <a:spLocks noGrp="1"/>
+          </p:cNvSpPr>
+          <p:nvPr>
+            <p:ph type="sldNum" sz="quarter" idx="10"/>
+          </p:nvPr>
+        </p:nvSpPr>
+        <p:spPr/>
+        <p:txBody>
+          <a:bodyPr/>
+          <a:lstStyle/>
+          <a:p>
+            <a:fld id="{55E8FBEE-7CE3-4659-92E7-0BBBA7AD52DF}" type="slidenum">
+              <a:rPr lang="en-GB" smtClean="0"/>
+              <a:t>4</a:t>
+            </a:fld>
+            <a:endParaRPr lang="en-GB"/>
+          </a:p>
+        </p:txBody>
+      </p:sp>
+    </p:spTree>
+    <p:extLst>
+      <p:ext uri="{BB962C8B-B14F-4D97-AF65-F5344CB8AC3E}">
+        <p14:creationId xmlns:p14="http://schemas.microsoft.com/office/powerpoint/2010/main" val="1229516152"/>
+      </p:ext>
+    </p:extLst>
+  </p:cSld>
+  <p:clrMapOvr>
+    <a:masterClrMapping/>
+  </p:clrMapOvr>
+</p:notes>
 </file>
 
 <file path=ppt/slideLayouts/slideLayout1.xml><?xml version="1.0" encoding="utf-8"?>
@@ -243,7 +736,7 @@
             <a:fld id="{648FA0F5-583B-41D0-8988-0CEE4C1F68CE}" type="datetimeFigureOut">
               <a:rPr lang="en-GB" smtClean="0"/>
               <a:pPr/>
-              <a:t>04/03/2014</a:t>
+              <a:t>10/03/2014</a:t>
             </a:fld>
             <a:endParaRPr lang="en-GB"/>
           </a:p>
@@ -295,7 +788,7 @@
     </p:spTree>
     <p:extLst>
       <p:ext uri="{BB962C8B-B14F-4D97-AF65-F5344CB8AC3E}">
-        <p14:creationId xmlns:p14="http://schemas.microsoft.com/office/powerpoint/2010/main" xmlns="" val="525252326"/>
+        <p14:creationId xmlns:p14="http://schemas.microsoft.com/office/powerpoint/2010/main" val="525252326"/>
       </p:ext>
     </p:extLst>
   </p:cSld>
@@ -415,7 +908,7 @@
             <a:fld id="{648FA0F5-583B-41D0-8988-0CEE4C1F68CE}" type="datetimeFigureOut">
               <a:rPr lang="en-GB" smtClean="0"/>
               <a:pPr/>
-              <a:t>04/03/2014</a:t>
+              <a:t>10/03/2014</a:t>
             </a:fld>
             <a:endParaRPr lang="en-GB"/>
           </a:p>
@@ -467,7 +960,7 @@
     </p:spTree>
     <p:extLst>
       <p:ext uri="{BB962C8B-B14F-4D97-AF65-F5344CB8AC3E}">
-        <p14:creationId xmlns:p14="http://schemas.microsoft.com/office/powerpoint/2010/main" xmlns="" val="472806435"/>
+        <p14:creationId xmlns:p14="http://schemas.microsoft.com/office/powerpoint/2010/main" val="472806435"/>
       </p:ext>
     </p:extLst>
   </p:cSld>
@@ -597,7 +1090,7 @@
             <a:fld id="{648FA0F5-583B-41D0-8988-0CEE4C1F68CE}" type="datetimeFigureOut">
               <a:rPr lang="en-GB" smtClean="0"/>
               <a:pPr/>
-              <a:t>04/03/2014</a:t>
+              <a:t>10/03/2014</a:t>
             </a:fld>
             <a:endParaRPr lang="en-GB"/>
           </a:p>
@@ -649,7 +1142,7 @@
     </p:spTree>
     <p:extLst>
       <p:ext uri="{BB962C8B-B14F-4D97-AF65-F5344CB8AC3E}">
-        <p14:creationId xmlns:p14="http://schemas.microsoft.com/office/powerpoint/2010/main" xmlns="" val="213450818"/>
+        <p14:creationId xmlns:p14="http://schemas.microsoft.com/office/powerpoint/2010/main" val="213450818"/>
       </p:ext>
     </p:extLst>
   </p:cSld>
@@ -769,7 +1262,7 @@
             <a:fld id="{648FA0F5-583B-41D0-8988-0CEE4C1F68CE}" type="datetimeFigureOut">
               <a:rPr lang="en-GB" smtClean="0"/>
               <a:pPr/>
-              <a:t>04/03/2014</a:t>
+              <a:t>10/03/2014</a:t>
             </a:fld>
             <a:endParaRPr lang="en-GB"/>
           </a:p>
@@ -821,7 +1314,7 @@
     </p:spTree>
     <p:extLst>
       <p:ext uri="{BB962C8B-B14F-4D97-AF65-F5344CB8AC3E}">
-        <p14:creationId xmlns:p14="http://schemas.microsoft.com/office/powerpoint/2010/main" xmlns="" val="3904109904"/>
+        <p14:creationId xmlns:p14="http://schemas.microsoft.com/office/powerpoint/2010/main" val="3904109904"/>
       </p:ext>
     </p:extLst>
   </p:cSld>
@@ -1017,7 +1510,7 @@
             <a:fld id="{648FA0F5-583B-41D0-8988-0CEE4C1F68CE}" type="datetimeFigureOut">
               <a:rPr lang="en-GB" smtClean="0"/>
               <a:pPr/>
-              <a:t>04/03/2014</a:t>
+              <a:t>10/03/2014</a:t>
             </a:fld>
             <a:endParaRPr lang="en-GB"/>
           </a:p>
@@ -1069,7 +1562,7 @@
     </p:spTree>
     <p:extLst>
       <p:ext uri="{BB962C8B-B14F-4D97-AF65-F5344CB8AC3E}">
-        <p14:creationId xmlns:p14="http://schemas.microsoft.com/office/powerpoint/2010/main" xmlns="" val="904019877"/>
+        <p14:creationId xmlns:p14="http://schemas.microsoft.com/office/powerpoint/2010/main" val="904019877"/>
       </p:ext>
     </p:extLst>
   </p:cSld>
@@ -1251,7 +1744,7 @@
             <a:fld id="{648FA0F5-583B-41D0-8988-0CEE4C1F68CE}" type="datetimeFigureOut">
               <a:rPr lang="en-GB" smtClean="0"/>
               <a:pPr/>
-              <a:t>04/03/2014</a:t>
+              <a:t>10/03/2014</a:t>
             </a:fld>
             <a:endParaRPr lang="en-GB"/>
           </a:p>
@@ -1303,7 +1796,7 @@
     </p:spTree>
     <p:extLst>
       <p:ext uri="{BB962C8B-B14F-4D97-AF65-F5344CB8AC3E}">
-        <p14:creationId xmlns:p14="http://schemas.microsoft.com/office/powerpoint/2010/main" xmlns="" val="2037261282"/>
+        <p14:creationId xmlns:p14="http://schemas.microsoft.com/office/powerpoint/2010/main" val="2037261282"/>
       </p:ext>
     </p:extLst>
   </p:cSld>
@@ -1620,7 +2113,7 @@
             <a:fld id="{648FA0F5-583B-41D0-8988-0CEE4C1F68CE}" type="datetimeFigureOut">
               <a:rPr lang="en-GB" smtClean="0"/>
               <a:pPr/>
-              <a:t>04/03/2014</a:t>
+              <a:t>10/03/2014</a:t>
             </a:fld>
             <a:endParaRPr lang="en-GB"/>
           </a:p>
@@ -1672,7 +2165,7 @@
     </p:spTree>
     <p:extLst>
       <p:ext uri="{BB962C8B-B14F-4D97-AF65-F5344CB8AC3E}">
-        <p14:creationId xmlns:p14="http://schemas.microsoft.com/office/powerpoint/2010/main" xmlns="" val="1720966347"/>
+        <p14:creationId xmlns:p14="http://schemas.microsoft.com/office/powerpoint/2010/main" val="1720966347"/>
       </p:ext>
     </p:extLst>
   </p:cSld>
@@ -1740,7 +2233,7 @@
             <a:fld id="{648FA0F5-583B-41D0-8988-0CEE4C1F68CE}" type="datetimeFigureOut">
               <a:rPr lang="en-GB" smtClean="0"/>
               <a:pPr/>
-              <a:t>04/03/2014</a:t>
+              <a:t>10/03/2014</a:t>
             </a:fld>
             <a:endParaRPr lang="en-GB"/>
           </a:p>
@@ -1792,7 +2285,7 @@
     </p:spTree>
     <p:extLst>
       <p:ext uri="{BB962C8B-B14F-4D97-AF65-F5344CB8AC3E}">
-        <p14:creationId xmlns:p14="http://schemas.microsoft.com/office/powerpoint/2010/main" xmlns="" val="90781609"/>
+        <p14:creationId xmlns:p14="http://schemas.microsoft.com/office/powerpoint/2010/main" val="90781609"/>
       </p:ext>
     </p:extLst>
   </p:cSld>
@@ -1837,7 +2330,7 @@
             <a:fld id="{648FA0F5-583B-41D0-8988-0CEE4C1F68CE}" type="datetimeFigureOut">
               <a:rPr lang="en-GB" smtClean="0"/>
               <a:pPr/>
-              <a:t>04/03/2014</a:t>
+              <a:t>10/03/2014</a:t>
             </a:fld>
             <a:endParaRPr lang="en-GB"/>
           </a:p>
@@ -1889,7 +2382,7 @@
     </p:spTree>
     <p:extLst>
       <p:ext uri="{BB962C8B-B14F-4D97-AF65-F5344CB8AC3E}">
-        <p14:creationId xmlns:p14="http://schemas.microsoft.com/office/powerpoint/2010/main" xmlns="" val="4152667495"/>
+        <p14:creationId xmlns:p14="http://schemas.microsoft.com/office/powerpoint/2010/main" val="4152667495"/>
       </p:ext>
     </p:extLst>
   </p:cSld>
@@ -2116,7 +2609,7 @@
             <a:fld id="{648FA0F5-583B-41D0-8988-0CEE4C1F68CE}" type="datetimeFigureOut">
               <a:rPr lang="en-GB" smtClean="0"/>
               <a:pPr/>
-              <a:t>04/03/2014</a:t>
+              <a:t>10/03/2014</a:t>
             </a:fld>
             <a:endParaRPr lang="en-GB"/>
           </a:p>
@@ -2168,7 +2661,7 @@
     </p:spTree>
     <p:extLst>
       <p:ext uri="{BB962C8B-B14F-4D97-AF65-F5344CB8AC3E}">
-        <p14:creationId xmlns:p14="http://schemas.microsoft.com/office/powerpoint/2010/main" xmlns="" val="4076576353"/>
+        <p14:creationId xmlns:p14="http://schemas.microsoft.com/office/powerpoint/2010/main" val="4076576353"/>
       </p:ext>
     </p:extLst>
   </p:cSld>
@@ -2371,7 +2864,7 @@
             <a:fld id="{648FA0F5-583B-41D0-8988-0CEE4C1F68CE}" type="datetimeFigureOut">
               <a:rPr lang="en-GB" smtClean="0"/>
               <a:pPr/>
-              <a:t>04/03/2014</a:t>
+              <a:t>10/03/2014</a:t>
             </a:fld>
             <a:endParaRPr lang="en-GB"/>
           </a:p>
@@ -2423,7 +2916,7 @@
     </p:spTree>
     <p:extLst>
       <p:ext uri="{BB962C8B-B14F-4D97-AF65-F5344CB8AC3E}">
-        <p14:creationId xmlns:p14="http://schemas.microsoft.com/office/powerpoint/2010/main" xmlns="" val="1859580088"/>
+        <p14:creationId xmlns:p14="http://schemas.microsoft.com/office/powerpoint/2010/main" val="1859580088"/>
       </p:ext>
     </p:extLst>
   </p:cSld>
@@ -2586,7 +3079,7 @@
             <a:fld id="{648FA0F5-583B-41D0-8988-0CEE4C1F68CE}" type="datetimeFigureOut">
               <a:rPr lang="en-GB" smtClean="0"/>
               <a:pPr/>
-              <a:t>04/03/2014</a:t>
+              <a:t>10/03/2014</a:t>
             </a:fld>
             <a:endParaRPr lang="en-GB"/>
           </a:p>
@@ -2674,7 +3167,7 @@
     </p:spTree>
     <p:extLst>
       <p:ext uri="{BB962C8B-B14F-4D97-AF65-F5344CB8AC3E}">
-        <p14:creationId xmlns:p14="http://schemas.microsoft.com/office/powerpoint/2010/main" xmlns="" val="869154123"/>
+        <p14:creationId xmlns:p14="http://schemas.microsoft.com/office/powerpoint/2010/main" val="869154123"/>
       </p:ext>
     </p:extLst>
   </p:cSld>
@@ -3037,7 +3530,7 @@
     </p:spTree>
     <p:extLst>
       <p:ext uri="{BB962C8B-B14F-4D97-AF65-F5344CB8AC3E}">
-        <p14:creationId xmlns:p14="http://schemas.microsoft.com/office/powerpoint/2010/main" xmlns="" val="2316312611"/>
+        <p14:creationId xmlns:p14="http://schemas.microsoft.com/office/powerpoint/2010/main" val="2316312611"/>
       </p:ext>
     </p:extLst>
   </p:cSld>
@@ -3048,6 +3541,571 @@
     <p:tnLst>
       <p:par>
         <p:cTn id="1" dur="indefinite" restart="never" nodeType="tmRoot"/>
+      </p:par>
+    </p:tnLst>
+  </p:timing>
+</p:sld>
+</file>
+
+<file path=ppt/slides/slide10.xml><?xml version="1.0" encoding="utf-8"?>
+<p:sld xmlns:a="http://schemas.openxmlformats.org/drawingml/2006/main" xmlns:r="http://schemas.openxmlformats.org/officeDocument/2006/relationships" xmlns:p="http://schemas.openxmlformats.org/presentationml/2006/main">
+  <p:cSld>
+    <p:spTree>
+      <p:nvGrpSpPr>
+        <p:cNvPr id="1" name=""/>
+        <p:cNvGrpSpPr/>
+        <p:nvPr/>
+      </p:nvGrpSpPr>
+      <p:grpSpPr>
+        <a:xfrm>
+          <a:off x="0" y="0"/>
+          <a:ext cx="0" cy="0"/>
+          <a:chOff x="0" y="0"/>
+          <a:chExt cx="0" cy="0"/>
+        </a:xfrm>
+      </p:grpSpPr>
+      <p:sp>
+        <p:nvSpPr>
+          <p:cNvPr id="2" name="Titel 1"/>
+          <p:cNvSpPr>
+            <a:spLocks noGrp="1"/>
+          </p:cNvSpPr>
+          <p:nvPr>
+            <p:ph type="title"/>
+          </p:nvPr>
+        </p:nvSpPr>
+        <p:spPr/>
+        <p:txBody>
+          <a:bodyPr/>
+          <a:lstStyle/>
+          <a:p>
+            <a:r>
+              <a:rPr lang="de-CH" dirty="0" err="1" smtClean="0"/>
+              <a:t>Questions</a:t>
+            </a:r>
+            <a:endParaRPr lang="en-GB" dirty="0"/>
+          </a:p>
+        </p:txBody>
+      </p:sp>
+      <p:sp>
+        <p:nvSpPr>
+          <p:cNvPr id="3" name="Inhaltsplatzhalter 2"/>
+          <p:cNvSpPr>
+            <a:spLocks noGrp="1"/>
+          </p:cNvSpPr>
+          <p:nvPr>
+            <p:ph idx="1"/>
+          </p:nvPr>
+        </p:nvSpPr>
+        <p:spPr/>
+        <p:txBody>
+          <a:bodyPr/>
+          <a:lstStyle/>
+          <a:p>
+            <a:r>
+              <a:rPr lang="de-CH" dirty="0" err="1" smtClean="0"/>
+              <a:t>How</a:t>
+            </a:r>
+            <a:r>
+              <a:rPr lang="de-CH" dirty="0" smtClean="0"/>
+              <a:t> </a:t>
+            </a:r>
+            <a:r>
+              <a:rPr lang="de-CH" dirty="0" err="1" smtClean="0"/>
+              <a:t>looks</a:t>
+            </a:r>
+            <a:r>
+              <a:rPr lang="de-CH" dirty="0" smtClean="0"/>
+              <a:t> </a:t>
+            </a:r>
+            <a:r>
+              <a:rPr lang="de-CH" dirty="0" err="1" smtClean="0"/>
+              <a:t>the</a:t>
+            </a:r>
+            <a:r>
+              <a:rPr lang="de-CH" dirty="0" smtClean="0"/>
+              <a:t> </a:t>
+            </a:r>
+            <a:r>
+              <a:rPr lang="de-CH" dirty="0" err="1" smtClean="0"/>
+              <a:t>definition</a:t>
+            </a:r>
+            <a:r>
+              <a:rPr lang="de-CH" dirty="0" smtClean="0"/>
+              <a:t> </a:t>
+            </a:r>
+            <a:r>
+              <a:rPr lang="de-CH" dirty="0" err="1" smtClean="0"/>
+              <a:t>of</a:t>
+            </a:r>
+            <a:r>
+              <a:rPr lang="de-CH" dirty="0" smtClean="0"/>
+              <a:t> </a:t>
+            </a:r>
+            <a:r>
+              <a:rPr lang="de-CH" dirty="0" err="1" smtClean="0"/>
+              <a:t>the</a:t>
+            </a:r>
+            <a:r>
+              <a:rPr lang="de-CH" dirty="0" smtClean="0"/>
+              <a:t> </a:t>
+            </a:r>
+            <a:r>
+              <a:rPr lang="de-CH" dirty="0" err="1" smtClean="0"/>
+              <a:t>led.h</a:t>
+            </a:r>
+            <a:r>
+              <a:rPr lang="de-CH" dirty="0" smtClean="0"/>
+              <a:t>-Files </a:t>
+            </a:r>
+            <a:r>
+              <a:rPr lang="de-CH" dirty="0" err="1" smtClean="0"/>
+              <a:t>to</a:t>
+            </a:r>
+            <a:r>
+              <a:rPr lang="de-CH" dirty="0" smtClean="0"/>
+              <a:t> </a:t>
+            </a:r>
+            <a:r>
+              <a:rPr lang="de-CH" dirty="0" err="1" smtClean="0"/>
+              <a:t>avoid</a:t>
+            </a:r>
+            <a:r>
+              <a:rPr lang="de-CH" dirty="0" smtClean="0"/>
+              <a:t> </a:t>
+            </a:r>
+            <a:r>
+              <a:rPr lang="de-CH" dirty="0" err="1" smtClean="0"/>
+              <a:t>recursive</a:t>
+            </a:r>
+            <a:r>
+              <a:rPr lang="de-CH" dirty="0" smtClean="0"/>
+              <a:t> </a:t>
+            </a:r>
+            <a:r>
+              <a:rPr lang="de-CH" dirty="0" err="1" smtClean="0"/>
+              <a:t>inclusion</a:t>
+            </a:r>
+            <a:endParaRPr lang="de-CH" dirty="0" smtClean="0"/>
+          </a:p>
+          <a:p>
+            <a:endParaRPr lang="de-CH" dirty="0"/>
+          </a:p>
+          <a:p>
+            <a:pPr marL="0" indent="0">
+              <a:buNone/>
+            </a:pPr>
+            <a:r>
+              <a:rPr lang="de-CH" dirty="0" smtClean="0">
+                <a:solidFill>
+                  <a:schemeClr val="tx1">
+                    <a:lumMod val="50000"/>
+                    <a:lumOff val="50000"/>
+                  </a:schemeClr>
+                </a:solidFill>
+              </a:rPr>
+              <a:t>#</a:t>
+            </a:r>
+            <a:r>
+              <a:rPr lang="de-CH" dirty="0" err="1" smtClean="0">
+                <a:solidFill>
+                  <a:schemeClr val="tx1">
+                    <a:lumMod val="50000"/>
+                    <a:lumOff val="50000"/>
+                  </a:schemeClr>
+                </a:solidFill>
+              </a:rPr>
+              <a:t>ifndef</a:t>
+            </a:r>
+            <a:r>
+              <a:rPr lang="de-CH" dirty="0" smtClean="0">
+                <a:solidFill>
+                  <a:schemeClr val="tx1">
+                    <a:lumMod val="50000"/>
+                    <a:lumOff val="50000"/>
+                  </a:schemeClr>
+                </a:solidFill>
+              </a:rPr>
+              <a:t>__LED_H_</a:t>
+            </a:r>
+          </a:p>
+          <a:p>
+            <a:pPr marL="0" indent="0">
+              <a:buNone/>
+            </a:pPr>
+            <a:r>
+              <a:rPr lang="de-CH" dirty="0" smtClean="0">
+                <a:solidFill>
+                  <a:schemeClr val="tx1">
+                    <a:lumMod val="50000"/>
+                    <a:lumOff val="50000"/>
+                  </a:schemeClr>
+                </a:solidFill>
+              </a:rPr>
+              <a:t>#</a:t>
+            </a:r>
+            <a:r>
+              <a:rPr lang="de-CH" dirty="0" err="1" smtClean="0">
+                <a:solidFill>
+                  <a:schemeClr val="tx1">
+                    <a:lumMod val="50000"/>
+                    <a:lumOff val="50000"/>
+                  </a:schemeClr>
+                </a:solidFill>
+              </a:rPr>
+              <a:t>define</a:t>
+            </a:r>
+            <a:r>
+              <a:rPr lang="de-CH" dirty="0" smtClean="0">
+                <a:solidFill>
+                  <a:schemeClr val="tx1">
+                    <a:lumMod val="50000"/>
+                    <a:lumOff val="50000"/>
+                  </a:schemeClr>
+                </a:solidFill>
+              </a:rPr>
+              <a:t>__LED_H_</a:t>
+            </a:r>
+          </a:p>
+          <a:p>
+            <a:pPr marL="0" indent="0">
+              <a:buNone/>
+            </a:pPr>
+            <a:r>
+              <a:rPr lang="de-CH" dirty="0" smtClean="0">
+                <a:solidFill>
+                  <a:schemeClr val="tx1">
+                    <a:lumMod val="50000"/>
+                    <a:lumOff val="50000"/>
+                  </a:schemeClr>
+                </a:solidFill>
+              </a:rPr>
+              <a:t>//</a:t>
+            </a:r>
+            <a:r>
+              <a:rPr lang="de-CH" dirty="0" err="1" smtClean="0">
+                <a:solidFill>
+                  <a:schemeClr val="tx1">
+                    <a:lumMod val="50000"/>
+                    <a:lumOff val="50000"/>
+                  </a:schemeClr>
+                </a:solidFill>
+              </a:rPr>
+              <a:t>expresions</a:t>
+            </a:r>
+            <a:r>
+              <a:rPr lang="de-CH" dirty="0" smtClean="0">
+                <a:solidFill>
+                  <a:schemeClr val="tx1">
+                    <a:lumMod val="50000"/>
+                    <a:lumOff val="50000"/>
+                  </a:schemeClr>
+                </a:solidFill>
+              </a:rPr>
+              <a:t> </a:t>
+            </a:r>
+            <a:r>
+              <a:rPr lang="de-CH" dirty="0" err="1" smtClean="0">
+                <a:solidFill>
+                  <a:schemeClr val="tx1">
+                    <a:lumMod val="50000"/>
+                    <a:lumOff val="50000"/>
+                  </a:schemeClr>
+                </a:solidFill>
+              </a:rPr>
+              <a:t>of</a:t>
+            </a:r>
+            <a:r>
+              <a:rPr lang="de-CH" dirty="0" smtClean="0">
+                <a:solidFill>
+                  <a:schemeClr val="tx1">
+                    <a:lumMod val="50000"/>
+                    <a:lumOff val="50000"/>
+                  </a:schemeClr>
+                </a:solidFill>
+              </a:rPr>
+              <a:t> </a:t>
+            </a:r>
+            <a:r>
+              <a:rPr lang="de-CH" dirty="0" err="1" smtClean="0">
+                <a:solidFill>
+                  <a:schemeClr val="tx1">
+                    <a:lumMod val="50000"/>
+                    <a:lumOff val="50000"/>
+                  </a:schemeClr>
+                </a:solidFill>
+              </a:rPr>
+              <a:t>the</a:t>
+            </a:r>
+            <a:r>
+              <a:rPr lang="de-CH" dirty="0" smtClean="0">
+                <a:solidFill>
+                  <a:schemeClr val="tx1">
+                    <a:lumMod val="50000"/>
+                    <a:lumOff val="50000"/>
+                  </a:schemeClr>
+                </a:solidFill>
+              </a:rPr>
+              <a:t> </a:t>
+            </a:r>
+            <a:r>
+              <a:rPr lang="de-CH" dirty="0" err="1" smtClean="0">
+                <a:solidFill>
+                  <a:schemeClr val="tx1">
+                    <a:lumMod val="50000"/>
+                    <a:lumOff val="50000"/>
+                  </a:schemeClr>
+                </a:solidFill>
+              </a:rPr>
+              <a:t>led.h</a:t>
+            </a:r>
+            <a:r>
+              <a:rPr lang="de-CH" dirty="0" smtClean="0">
+                <a:solidFill>
+                  <a:schemeClr val="tx1">
+                    <a:lumMod val="50000"/>
+                    <a:lumOff val="50000"/>
+                  </a:schemeClr>
+                </a:solidFill>
+              </a:rPr>
+              <a:t> </a:t>
+            </a:r>
+            <a:r>
+              <a:rPr lang="de-CH" dirty="0" err="1" smtClean="0">
+                <a:solidFill>
+                  <a:schemeClr val="tx1">
+                    <a:lumMod val="50000"/>
+                    <a:lumOff val="50000"/>
+                  </a:schemeClr>
+                </a:solidFill>
+              </a:rPr>
+              <a:t>file</a:t>
+            </a:r>
+            <a:endParaRPr lang="de-CH" dirty="0" smtClean="0">
+              <a:solidFill>
+                <a:schemeClr val="tx1">
+                  <a:lumMod val="50000"/>
+                  <a:lumOff val="50000"/>
+                </a:schemeClr>
+              </a:solidFill>
+            </a:endParaRPr>
+          </a:p>
+          <a:p>
+            <a:pPr marL="0" indent="0">
+              <a:buNone/>
+            </a:pPr>
+            <a:r>
+              <a:rPr lang="de-CH" dirty="0" smtClean="0">
+                <a:solidFill>
+                  <a:schemeClr val="tx1">
+                    <a:lumMod val="50000"/>
+                    <a:lumOff val="50000"/>
+                  </a:schemeClr>
+                </a:solidFill>
+              </a:rPr>
+              <a:t>#</a:t>
+            </a:r>
+            <a:r>
+              <a:rPr lang="de-CH" dirty="0" err="1" smtClean="0">
+                <a:solidFill>
+                  <a:schemeClr val="tx1">
+                    <a:lumMod val="50000"/>
+                    <a:lumOff val="50000"/>
+                  </a:schemeClr>
+                </a:solidFill>
+              </a:rPr>
+              <a:t>endif</a:t>
+            </a:r>
+            <a:endParaRPr lang="en-GB" dirty="0">
+              <a:solidFill>
+                <a:schemeClr val="tx1">
+                  <a:lumMod val="50000"/>
+                  <a:lumOff val="50000"/>
+                </a:schemeClr>
+              </a:solidFill>
+            </a:endParaRPr>
+          </a:p>
+        </p:txBody>
+      </p:sp>
+    </p:spTree>
+    <p:extLst>
+      <p:ext uri="{BB962C8B-B14F-4D97-AF65-F5344CB8AC3E}">
+        <p14:creationId xmlns:p14="http://schemas.microsoft.com/office/powerpoint/2010/main" val="44401375"/>
+      </p:ext>
+    </p:extLst>
+  </p:cSld>
+  <p:clrMapOvr>
+    <a:masterClrMapping/>
+  </p:clrMapOvr>
+  <p:timing>
+    <p:tnLst>
+      <p:par>
+        <p:cTn id="1" dur="indefinite" restart="never" nodeType="tmRoot">
+          <p:childTnLst>
+            <p:seq concurrent="1" nextAc="seek">
+              <p:cTn id="2" dur="indefinite" nodeType="mainSeq">
+                <p:childTnLst>
+                  <p:par>
+                    <p:cTn id="3" fill="hold">
+                      <p:stCondLst>
+                        <p:cond delay="indefinite"/>
+                      </p:stCondLst>
+                      <p:childTnLst>
+                        <p:par>
+                          <p:cTn id="4" fill="hold">
+                            <p:stCondLst>
+                              <p:cond delay="0"/>
+                            </p:stCondLst>
+                            <p:childTnLst>
+                              <p:par>
+                                <p:cTn id="5" presetID="1" presetClass="entr" presetSubtype="0" fill="hold" nodeType="clickEffect">
+                                  <p:stCondLst>
+                                    <p:cond delay="0"/>
+                                  </p:stCondLst>
+                                  <p:childTnLst>
+                                    <p:set>
+                                      <p:cBhvr>
+                                        <p:cTn id="6" dur="1" fill="hold">
+                                          <p:stCondLst>
+                                            <p:cond delay="0"/>
+                                          </p:stCondLst>
+                                        </p:cTn>
+                                        <p:tgtEl>
+                                          <p:spTgt spid="3">
+                                            <p:txEl>
+                                              <p:pRg st="2" end="2"/>
+                                            </p:txEl>
+                                          </p:spTgt>
+                                        </p:tgtEl>
+                                        <p:attrNameLst>
+                                          <p:attrName>style.visibility</p:attrName>
+                                        </p:attrNameLst>
+                                      </p:cBhvr>
+                                      <p:to>
+                                        <p:strVal val="visible"/>
+                                      </p:to>
+                                    </p:set>
+                                  </p:childTnLst>
+                                </p:cTn>
+                              </p:par>
+                              <p:par>
+                                <p:cTn id="7" presetID="1" presetClass="entr" presetSubtype="0" fill="hold" nodeType="withEffect">
+                                  <p:stCondLst>
+                                    <p:cond delay="0"/>
+                                  </p:stCondLst>
+                                  <p:childTnLst>
+                                    <p:set>
+                                      <p:cBhvr>
+                                        <p:cTn id="8" dur="1" fill="hold">
+                                          <p:stCondLst>
+                                            <p:cond delay="0"/>
+                                          </p:stCondLst>
+                                        </p:cTn>
+                                        <p:tgtEl>
+                                          <p:spTgt spid="3">
+                                            <p:txEl>
+                                              <p:pRg st="3" end="3"/>
+                                            </p:txEl>
+                                          </p:spTgt>
+                                        </p:tgtEl>
+                                        <p:attrNameLst>
+                                          <p:attrName>style.visibility</p:attrName>
+                                        </p:attrNameLst>
+                                      </p:cBhvr>
+                                      <p:to>
+                                        <p:strVal val="visible"/>
+                                      </p:to>
+                                    </p:set>
+                                  </p:childTnLst>
+                                </p:cTn>
+                              </p:par>
+                              <p:par>
+                                <p:cTn id="9" presetID="1" presetClass="entr" presetSubtype="0" fill="hold" nodeType="withEffect">
+                                  <p:stCondLst>
+                                    <p:cond delay="0"/>
+                                  </p:stCondLst>
+                                  <p:childTnLst>
+                                    <p:set>
+                                      <p:cBhvr>
+                                        <p:cTn id="10" dur="1" fill="hold">
+                                          <p:stCondLst>
+                                            <p:cond delay="0"/>
+                                          </p:stCondLst>
+                                        </p:cTn>
+                                        <p:tgtEl>
+                                          <p:spTgt spid="3">
+                                            <p:txEl>
+                                              <p:pRg st="4" end="4"/>
+                                            </p:txEl>
+                                          </p:spTgt>
+                                        </p:tgtEl>
+                                        <p:attrNameLst>
+                                          <p:attrName>style.visibility</p:attrName>
+                                        </p:attrNameLst>
+                                      </p:cBhvr>
+                                      <p:to>
+                                        <p:strVal val="visible"/>
+                                      </p:to>
+                                    </p:set>
+                                  </p:childTnLst>
+                                </p:cTn>
+                              </p:par>
+                              <p:par>
+                                <p:cTn id="11" presetID="1" presetClass="entr" presetSubtype="0" fill="hold" nodeType="withEffect">
+                                  <p:stCondLst>
+                                    <p:cond delay="0"/>
+                                  </p:stCondLst>
+                                  <p:childTnLst>
+                                    <p:set>
+                                      <p:cBhvr>
+                                        <p:cTn id="12" dur="1" fill="hold">
+                                          <p:stCondLst>
+                                            <p:cond delay="0"/>
+                                          </p:stCondLst>
+                                        </p:cTn>
+                                        <p:tgtEl>
+                                          <p:spTgt spid="3">
+                                            <p:txEl>
+                                              <p:pRg st="5" end="5"/>
+                                            </p:txEl>
+                                          </p:spTgt>
+                                        </p:tgtEl>
+                                        <p:attrNameLst>
+                                          <p:attrName>style.visibility</p:attrName>
+                                        </p:attrNameLst>
+                                      </p:cBhvr>
+                                      <p:to>
+                                        <p:strVal val="visible"/>
+                                      </p:to>
+                                    </p:set>
+                                  </p:childTnLst>
+                                </p:cTn>
+                              </p:par>
+                            </p:childTnLst>
+                          </p:cTn>
+                        </p:par>
+                      </p:childTnLst>
+                    </p:cTn>
+                  </p:par>
+                </p:childTnLst>
+              </p:cTn>
+              <p:prevCondLst>
+                <p:cond evt="onPrev" delay="0">
+                  <p:tgtEl>
+                    <p:sldTgt/>
+                  </p:tgtEl>
+                </p:cond>
+              </p:prevCondLst>
+              <p:nextCondLst>
+                <p:cond evt="onNext" delay="0">
+                  <p:tgtEl>
+                    <p:sldTgt/>
+                  </p:tgtEl>
+                </p:cond>
+              </p:nextCondLst>
+            </p:seq>
+          </p:childTnLst>
+        </p:cTn>
       </p:par>
     </p:tnLst>
   </p:timing>
@@ -3145,7 +4203,7 @@
     </p:spTree>
     <p:extLst>
       <p:ext uri="{BB962C8B-B14F-4D97-AF65-F5344CB8AC3E}">
-        <p14:creationId xmlns:p14="http://schemas.microsoft.com/office/powerpoint/2010/main" xmlns="" val="3449942625"/>
+        <p14:creationId xmlns:p14="http://schemas.microsoft.com/office/powerpoint/2010/main" val="3449942625"/>
       </p:ext>
     </p:extLst>
   </p:cSld>
@@ -3195,36 +4253,160 @@
           <a:lstStyle/>
           <a:p>
             <a:r>
+              <a:rPr lang="de-CH" dirty="0" err="1" smtClean="0"/>
+              <a:t>Macros</a:t>
+            </a:r>
+            <a:endParaRPr lang="en-GB" dirty="0"/>
+          </a:p>
+        </p:txBody>
+      </p:sp>
+      <p:sp>
+        <p:nvSpPr>
+          <p:cNvPr id="3" name="Inhaltsplatzhalter 2"/>
+          <p:cNvSpPr>
+            <a:spLocks noGrp="1"/>
+          </p:cNvSpPr>
+          <p:nvPr>
+            <p:ph idx="1"/>
+          </p:nvPr>
+        </p:nvSpPr>
+        <p:spPr/>
+        <p:txBody>
+          <a:bodyPr/>
+          <a:lstStyle/>
+          <a:p>
+            <a:r>
+              <a:rPr lang="de-CH" dirty="0" err="1" smtClean="0"/>
+              <a:t>Preprocessor</a:t>
+            </a:r>
+            <a:r>
               <a:rPr lang="de-CH" dirty="0" smtClean="0"/>
-              <a:t>Systems</a:t>
-            </a:r>
-            <a:endParaRPr lang="en-GB" dirty="0"/>
-          </a:p>
-        </p:txBody>
-      </p:sp>
-      <p:sp>
-        <p:nvSpPr>
-          <p:cNvPr id="3" name="Inhaltsplatzhalter 2"/>
-          <p:cNvSpPr>
-            <a:spLocks noGrp="1"/>
-          </p:cNvSpPr>
-          <p:nvPr>
-            <p:ph idx="1"/>
-          </p:nvPr>
-        </p:nvSpPr>
-        <p:spPr/>
-        <p:txBody>
-          <a:bodyPr/>
-          <a:lstStyle/>
-          <a:p>
-            <a:endParaRPr lang="en-GB"/>
-          </a:p>
-        </p:txBody>
-      </p:sp>
+              <a:t> </a:t>
+            </a:r>
+            <a:r>
+              <a:rPr lang="de-CH" dirty="0" err="1" smtClean="0"/>
+              <a:t>instructions</a:t>
+            </a:r>
+            <a:r>
+              <a:rPr lang="de-CH" dirty="0"/>
+              <a:t> </a:t>
+            </a:r>
+            <a:r>
+              <a:rPr lang="de-CH" dirty="0" err="1" smtClean="0"/>
+              <a:t>which</a:t>
+            </a:r>
+            <a:r>
+              <a:rPr lang="de-CH" dirty="0" smtClean="0"/>
+              <a:t> </a:t>
+            </a:r>
+            <a:r>
+              <a:rPr lang="de-CH" dirty="0" err="1" smtClean="0"/>
+              <a:t>replaced</a:t>
+            </a:r>
+            <a:r>
+              <a:rPr lang="de-CH" dirty="0" smtClean="0"/>
+              <a:t> </a:t>
+            </a:r>
+            <a:r>
+              <a:rPr lang="de-CH" dirty="0" err="1" smtClean="0"/>
+              <a:t>before</a:t>
+            </a:r>
+            <a:r>
+              <a:rPr lang="de-CH" dirty="0" smtClean="0"/>
+              <a:t> </a:t>
+            </a:r>
+            <a:r>
+              <a:rPr lang="de-CH" dirty="0" err="1" smtClean="0"/>
+              <a:t>the</a:t>
+            </a:r>
+            <a:r>
+              <a:rPr lang="de-CH" dirty="0" smtClean="0"/>
+              <a:t> </a:t>
+            </a:r>
+            <a:r>
+              <a:rPr lang="de-CH" dirty="0" err="1" smtClean="0"/>
+              <a:t>compile</a:t>
+            </a:r>
+            <a:endParaRPr lang="de-CH" dirty="0" smtClean="0"/>
+          </a:p>
+          <a:p>
+            <a:r>
+              <a:rPr lang="de-CH" dirty="0" smtClean="0"/>
+              <a:t>Support </a:t>
+            </a:r>
+            <a:r>
+              <a:rPr lang="de-CH" dirty="0" err="1" smtClean="0"/>
+              <a:t>the</a:t>
+            </a:r>
+            <a:r>
+              <a:rPr lang="de-CH" dirty="0" smtClean="0"/>
+              <a:t> </a:t>
+            </a:r>
+            <a:r>
+              <a:rPr lang="de-CH" dirty="0" err="1" smtClean="0"/>
+              <a:t>reusability</a:t>
+            </a:r>
+            <a:endParaRPr lang="de-CH" dirty="0" smtClean="0"/>
+          </a:p>
+          <a:p>
+            <a:r>
+              <a:rPr lang="de-CH" dirty="0" err="1" smtClean="0"/>
+              <a:t>Platform.h</a:t>
+            </a:r>
+            <a:r>
+              <a:rPr lang="de-CH" dirty="0" smtClean="0"/>
+              <a:t> </a:t>
+            </a:r>
+            <a:r>
+              <a:rPr lang="de-CH" dirty="0" err="1" smtClean="0"/>
+              <a:t>or</a:t>
+            </a:r>
+            <a:r>
+              <a:rPr lang="de-CH" dirty="0" smtClean="0"/>
+              <a:t> </a:t>
+            </a:r>
+            <a:r>
+              <a:rPr lang="de-CH" dirty="0" err="1" smtClean="0"/>
+              <a:t>cofig.h</a:t>
+            </a:r>
+            <a:endParaRPr lang="de-CH" dirty="0" smtClean="0"/>
+          </a:p>
+          <a:p>
+            <a:endParaRPr lang="de-CH" dirty="0"/>
+          </a:p>
+          <a:p>
+            <a:endParaRPr lang="de-CH" dirty="0"/>
+          </a:p>
+        </p:txBody>
+      </p:sp>
+      <p:pic>
+        <p:nvPicPr>
+          <p:cNvPr id="4" name="Grafik 3"/>
+          <p:cNvPicPr>
+            <a:picLocks noChangeAspect="1"/>
+          </p:cNvPicPr>
+          <p:nvPr/>
+        </p:nvPicPr>
+        <p:blipFill>
+          <a:blip r:embed="rId2"/>
+          <a:stretch>
+            <a:fillRect/>
+          </a:stretch>
+        </p:blipFill>
+        <p:spPr>
+          <a:xfrm>
+            <a:off x="2345635" y="3450456"/>
+            <a:ext cx="6568989" cy="3162379"/>
+          </a:xfrm>
+          <a:prstGeom prst="rect">
+            <a:avLst/>
+          </a:prstGeom>
+        </p:spPr>
+      </p:pic>
     </p:spTree>
     <p:extLst>
       <p:ext uri="{BB962C8B-B14F-4D97-AF65-F5344CB8AC3E}">
-        <p14:creationId xmlns:p14="http://schemas.microsoft.com/office/powerpoint/2010/main" xmlns="" val="3090885225"/>
+        <p14:creationId xmlns:p14="http://schemas.microsoft.com/office/powerpoint/2010/main" val="4054263776"/>
       </p:ext>
     </p:extLst>
   </p:cSld>
@@ -3274,36 +4456,72 @@
           <a:lstStyle/>
           <a:p>
             <a:r>
+              <a:rPr lang="de-CH" dirty="0" err="1" smtClean="0"/>
+              <a:t>Macros</a:t>
+            </a:r>
+            <a:endParaRPr lang="en-GB" dirty="0"/>
+          </a:p>
+        </p:txBody>
+      </p:sp>
+      <p:sp>
+        <p:nvSpPr>
+          <p:cNvPr id="3" name="Inhaltsplatzhalter 2"/>
+          <p:cNvSpPr>
+            <a:spLocks noGrp="1"/>
+          </p:cNvSpPr>
+          <p:nvPr>
+            <p:ph idx="1"/>
+          </p:nvPr>
+        </p:nvSpPr>
+        <p:spPr/>
+        <p:txBody>
+          <a:bodyPr/>
+          <a:lstStyle/>
+          <a:p>
+            <a:r>
+              <a:rPr lang="de-CH" dirty="0" err="1" smtClean="0"/>
+              <a:t>Textual</a:t>
+            </a:r>
+            <a:r>
               <a:rPr lang="de-CH" dirty="0" smtClean="0"/>
-              <a:t>Realtime</a:t>
-            </a:r>
-            <a:endParaRPr lang="en-GB" dirty="0"/>
-          </a:p>
-        </p:txBody>
-      </p:sp>
-      <p:sp>
-        <p:nvSpPr>
-          <p:cNvPr id="3" name="Inhaltsplatzhalter 2"/>
-          <p:cNvSpPr>
-            <a:spLocks noGrp="1"/>
-          </p:cNvSpPr>
-          <p:nvPr>
-            <p:ph idx="1"/>
-          </p:nvPr>
-        </p:nvSpPr>
-        <p:spPr/>
-        <p:txBody>
-          <a:bodyPr/>
-          <a:lstStyle/>
-          <a:p>
-            <a:endParaRPr lang="en-GB"/>
-          </a:p>
-        </p:txBody>
-      </p:sp>
+              <a:t> </a:t>
+            </a:r>
+            <a:r>
+              <a:rPr lang="de-CH" dirty="0" err="1" smtClean="0"/>
+              <a:t>replacement</a:t>
+            </a:r>
+            <a:endParaRPr lang="de-CH" dirty="0" smtClean="0"/>
+          </a:p>
+        </p:txBody>
+      </p:sp>
+      <p:pic>
+        <p:nvPicPr>
+          <p:cNvPr id="4" name="Grafik 3"/>
+          <p:cNvPicPr>
+            <a:picLocks noChangeAspect="1"/>
+          </p:cNvPicPr>
+          <p:nvPr/>
+        </p:nvPicPr>
+        <p:blipFill>
+          <a:blip r:embed="rId3"/>
+          <a:stretch>
+            <a:fillRect/>
+          </a:stretch>
+        </p:blipFill>
+        <p:spPr>
+          <a:xfrm>
+            <a:off x="938583" y="2835965"/>
+            <a:ext cx="8538194" cy="3677479"/>
+          </a:xfrm>
+          <a:prstGeom prst="rect">
+            <a:avLst/>
+          </a:prstGeom>
+        </p:spPr>
+      </p:pic>
     </p:spTree>
     <p:extLst>
       <p:ext uri="{BB962C8B-B14F-4D97-AF65-F5344CB8AC3E}">
-        <p14:creationId xmlns:p14="http://schemas.microsoft.com/office/powerpoint/2010/main" xmlns="" val="4054263776"/>
+        <p14:creationId xmlns:p14="http://schemas.microsoft.com/office/powerpoint/2010/main" val="3969884221"/>
       </p:ext>
     </p:extLst>
   </p:cSld>
@@ -3352,7 +4570,11 @@
           <a:bodyPr/>
           <a:lstStyle/>
           <a:p>
-            <a:endParaRPr lang="en-GB"/>
+            <a:r>
+              <a:rPr lang="de-CH" dirty="0" err="1" smtClean="0"/>
+              <a:t>Macros</a:t>
+            </a:r>
+            <a:endParaRPr lang="en-GB" dirty="0"/>
           </a:p>
         </p:txBody>
       </p:sp>
@@ -3371,14 +4593,58 @@
           <a:bodyPr/>
           <a:lstStyle/>
           <a:p>
-            <a:endParaRPr lang="en-GB"/>
-          </a:p>
-        </p:txBody>
-      </p:sp>
+            <a:r>
+              <a:rPr lang="de-CH" dirty="0" err="1"/>
+              <a:t>For</a:t>
+            </a:r>
+            <a:r>
+              <a:rPr lang="de-CH" dirty="0"/>
+              <a:t> </a:t>
+            </a:r>
+            <a:r>
+              <a:rPr lang="de-CH" dirty="0" err="1"/>
+              <a:t>configuration</a:t>
+            </a:r>
+            <a:r>
+              <a:rPr lang="de-CH" dirty="0"/>
+              <a:t> optional </a:t>
+            </a:r>
+            <a:r>
+              <a:rPr lang="de-CH" dirty="0" err="1" smtClean="0"/>
+              <a:t>if-request</a:t>
+            </a:r>
+            <a:endParaRPr lang="de-CH" dirty="0"/>
+          </a:p>
+        </p:txBody>
+      </p:sp>
+      <p:pic>
+        <p:nvPicPr>
+          <p:cNvPr id="5" name="Grafik 4"/>
+          <p:cNvPicPr>
+            <a:picLocks noChangeAspect="1"/>
+          </p:cNvPicPr>
+          <p:nvPr/>
+        </p:nvPicPr>
+        <p:blipFill>
+          <a:blip r:embed="rId2"/>
+          <a:stretch>
+            <a:fillRect/>
+          </a:stretch>
+        </p:blipFill>
+        <p:spPr>
+          <a:xfrm>
+            <a:off x="565809" y="3055562"/>
+            <a:ext cx="11060382" cy="2840719"/>
+          </a:xfrm>
+          <a:prstGeom prst="rect">
+            <a:avLst/>
+          </a:prstGeom>
+        </p:spPr>
+      </p:pic>
     </p:spTree>
     <p:extLst>
       <p:ext uri="{BB962C8B-B14F-4D97-AF65-F5344CB8AC3E}">
-        <p14:creationId xmlns:p14="http://schemas.microsoft.com/office/powerpoint/2010/main" xmlns="" val="534812656"/>
+        <p14:creationId xmlns:p14="http://schemas.microsoft.com/office/powerpoint/2010/main" val="534812656"/>
       </p:ext>
     </p:extLst>
   </p:cSld>
@@ -3389,6 +4655,1502 @@
     <p:tnLst>
       <p:par>
         <p:cTn id="1" dur="indefinite" restart="never" nodeType="tmRoot"/>
+      </p:par>
+    </p:tnLst>
+  </p:timing>
+</p:sld>
+</file>
+
+<file path=ppt/slides/slide6.xml><?xml version="1.0" encoding="utf-8"?>
+<p:sld xmlns:a="http://schemas.openxmlformats.org/drawingml/2006/main" xmlns:r="http://schemas.openxmlformats.org/officeDocument/2006/relationships" xmlns:p="http://schemas.openxmlformats.org/presentationml/2006/main">
+  <p:cSld>
+    <p:spTree>
+      <p:nvGrpSpPr>
+        <p:cNvPr id="1" name=""/>
+        <p:cNvGrpSpPr/>
+        <p:nvPr/>
+      </p:nvGrpSpPr>
+      <p:grpSpPr>
+        <a:xfrm>
+          <a:off x="0" y="0"/>
+          <a:ext cx="0" cy="0"/>
+          <a:chOff x="0" y="0"/>
+          <a:chExt cx="0" cy="0"/>
+        </a:xfrm>
+      </p:grpSpPr>
+      <p:sp>
+        <p:nvSpPr>
+          <p:cNvPr id="2" name="Titel 1"/>
+          <p:cNvSpPr>
+            <a:spLocks noGrp="1"/>
+          </p:cNvSpPr>
+          <p:nvPr>
+            <p:ph type="title"/>
+          </p:nvPr>
+        </p:nvSpPr>
+        <p:spPr/>
+        <p:txBody>
+          <a:bodyPr/>
+          <a:lstStyle/>
+          <a:p>
+            <a:r>
+              <a:rPr lang="de-CH" dirty="0" err="1" smtClean="0"/>
+              <a:t>Includes</a:t>
+            </a:r>
+            <a:endParaRPr lang="en-GB" dirty="0"/>
+          </a:p>
+        </p:txBody>
+      </p:sp>
+      <p:sp>
+        <p:nvSpPr>
+          <p:cNvPr id="3" name="Inhaltsplatzhalter 2"/>
+          <p:cNvSpPr>
+            <a:spLocks noGrp="1"/>
+          </p:cNvSpPr>
+          <p:nvPr>
+            <p:ph idx="1"/>
+          </p:nvPr>
+        </p:nvSpPr>
+        <p:spPr/>
+        <p:txBody>
+          <a:bodyPr/>
+          <a:lstStyle/>
+          <a:p>
+            <a:r>
+              <a:rPr lang="de-CH" dirty="0" smtClean="0"/>
+              <a:t>2 </a:t>
+            </a:r>
+            <a:r>
+              <a:rPr lang="de-CH" dirty="0" err="1" smtClean="0"/>
+              <a:t>files</a:t>
+            </a:r>
+            <a:r>
+              <a:rPr lang="de-CH" dirty="0" smtClean="0"/>
+              <a:t>:</a:t>
+            </a:r>
+          </a:p>
+          <a:p>
+            <a:pPr lvl="1"/>
+            <a:r>
+              <a:rPr lang="de-CH" dirty="0" smtClean="0"/>
+              <a:t>*.c: </a:t>
+            </a:r>
+            <a:r>
+              <a:rPr lang="de-CH" dirty="0" err="1" smtClean="0"/>
+              <a:t>implementation</a:t>
+            </a:r>
+            <a:r>
+              <a:rPr lang="de-CH" dirty="0" smtClean="0"/>
+              <a:t>, </a:t>
+            </a:r>
+            <a:r>
+              <a:rPr lang="de-CH" dirty="0" err="1" smtClean="0"/>
+              <a:t>definition</a:t>
+            </a:r>
+            <a:endParaRPr lang="de-CH" dirty="0" smtClean="0"/>
+          </a:p>
+          <a:p>
+            <a:pPr lvl="1"/>
+            <a:r>
+              <a:rPr lang="de-CH" dirty="0" smtClean="0"/>
+              <a:t>*.h: Interface/Header File: </a:t>
+            </a:r>
+            <a:r>
+              <a:rPr lang="de-CH" dirty="0" err="1" smtClean="0"/>
+              <a:t>external</a:t>
+            </a:r>
+            <a:r>
+              <a:rPr lang="de-CH" dirty="0" smtClean="0"/>
+              <a:t> </a:t>
+            </a:r>
+            <a:r>
+              <a:rPr lang="de-CH" dirty="0" err="1" smtClean="0"/>
+              <a:t>Declaration</a:t>
+            </a:r>
+            <a:endParaRPr lang="de-CH" dirty="0" smtClean="0"/>
+          </a:p>
+          <a:p>
+            <a:pPr lvl="1"/>
+            <a:endParaRPr lang="de-CH" dirty="0" smtClean="0"/>
+          </a:p>
+          <a:p>
+            <a:r>
+              <a:rPr lang="de-CH" dirty="0" err="1" smtClean="0"/>
+              <a:t>Local</a:t>
+            </a:r>
+            <a:r>
+              <a:rPr lang="de-CH" dirty="0" smtClean="0"/>
+              <a:t> variables in *.c-File</a:t>
+            </a:r>
+          </a:p>
+          <a:p>
+            <a:r>
+              <a:rPr lang="de-CH" dirty="0" smtClean="0"/>
+              <a:t>Global </a:t>
+            </a:r>
+            <a:r>
+              <a:rPr lang="de-CH" dirty="0" err="1" smtClean="0"/>
+              <a:t>varibles</a:t>
+            </a:r>
+            <a:r>
+              <a:rPr lang="de-CH" dirty="0" smtClean="0"/>
+              <a:t> in *.h-File</a:t>
+            </a:r>
+          </a:p>
+          <a:p>
+            <a:endParaRPr lang="de-CH" dirty="0"/>
+          </a:p>
+          <a:p>
+            <a:r>
+              <a:rPr lang="de-CH" dirty="0" smtClean="0"/>
+              <a:t>&lt;……&gt; </a:t>
+            </a:r>
+            <a:r>
+              <a:rPr lang="de-CH" dirty="0" err="1" smtClean="0"/>
+              <a:t>libraries</a:t>
+            </a:r>
+            <a:endParaRPr lang="de-CH" dirty="0" smtClean="0"/>
+          </a:p>
+          <a:p>
+            <a:r>
+              <a:rPr lang="de-CH" dirty="0" smtClean="0"/>
+              <a:t>‘’……’’ h </a:t>
+            </a:r>
+            <a:r>
+              <a:rPr lang="de-CH" dirty="0" err="1" smtClean="0"/>
+              <a:t>files</a:t>
+            </a:r>
+            <a:endParaRPr lang="en-GB" dirty="0" smtClean="0"/>
+          </a:p>
+        </p:txBody>
+      </p:sp>
+    </p:spTree>
+    <p:extLst>
+      <p:ext uri="{BB962C8B-B14F-4D97-AF65-F5344CB8AC3E}">
+        <p14:creationId xmlns:p14="http://schemas.microsoft.com/office/powerpoint/2010/main" val="4212864348"/>
+      </p:ext>
+    </p:extLst>
+  </p:cSld>
+  <p:clrMapOvr>
+    <a:masterClrMapping/>
+  </p:clrMapOvr>
+  <p:timing>
+    <p:tnLst>
+      <p:par>
+        <p:cTn id="1" dur="indefinite" restart="never" nodeType="tmRoot"/>
+      </p:par>
+    </p:tnLst>
+  </p:timing>
+</p:sld>
+</file>
+
+<file path=ppt/slides/slide7.xml><?xml version="1.0" encoding="utf-8"?>
+<p:sld xmlns:a="http://schemas.openxmlformats.org/drawingml/2006/main" xmlns:r="http://schemas.openxmlformats.org/officeDocument/2006/relationships" xmlns:p="http://schemas.openxmlformats.org/presentationml/2006/main">
+  <p:cSld>
+    <p:spTree>
+      <p:nvGrpSpPr>
+        <p:cNvPr id="1" name=""/>
+        <p:cNvGrpSpPr/>
+        <p:nvPr/>
+      </p:nvGrpSpPr>
+      <p:grpSpPr>
+        <a:xfrm>
+          <a:off x="0" y="0"/>
+          <a:ext cx="0" cy="0"/>
+          <a:chOff x="0" y="0"/>
+          <a:chExt cx="0" cy="0"/>
+        </a:xfrm>
+      </p:grpSpPr>
+      <p:sp>
+        <p:nvSpPr>
+          <p:cNvPr id="2" name="Titel 1"/>
+          <p:cNvSpPr>
+            <a:spLocks noGrp="1"/>
+          </p:cNvSpPr>
+          <p:nvPr>
+            <p:ph type="title"/>
+          </p:nvPr>
+        </p:nvSpPr>
+        <p:spPr/>
+        <p:txBody>
+          <a:bodyPr/>
+          <a:lstStyle/>
+          <a:p>
+            <a:r>
+              <a:rPr lang="de-CH" dirty="0" err="1" smtClean="0"/>
+              <a:t>Includes</a:t>
+            </a:r>
+            <a:endParaRPr lang="en-GB" dirty="0"/>
+          </a:p>
+        </p:txBody>
+      </p:sp>
+      <p:sp>
+        <p:nvSpPr>
+          <p:cNvPr id="3" name="Inhaltsplatzhalter 2"/>
+          <p:cNvSpPr>
+            <a:spLocks noGrp="1"/>
+          </p:cNvSpPr>
+          <p:nvPr>
+            <p:ph idx="1"/>
+          </p:nvPr>
+        </p:nvSpPr>
+        <p:spPr/>
+        <p:txBody>
+          <a:bodyPr/>
+          <a:lstStyle/>
+          <a:p>
+            <a:r>
+              <a:rPr lang="de-CH" dirty="0" smtClean="0"/>
+              <a:t>Problem: </a:t>
+            </a:r>
+            <a:r>
+              <a:rPr lang="de-CH" dirty="0" err="1" smtClean="0"/>
+              <a:t>Recursive</a:t>
+            </a:r>
+            <a:r>
+              <a:rPr lang="de-CH" dirty="0" smtClean="0"/>
+              <a:t> </a:t>
+            </a:r>
+            <a:r>
+              <a:rPr lang="de-CH" dirty="0" err="1" smtClean="0"/>
+              <a:t>includes</a:t>
+            </a:r>
+            <a:endParaRPr lang="de-CH" dirty="0" smtClean="0"/>
+          </a:p>
+          <a:p>
+            <a:endParaRPr lang="de-CH" dirty="0"/>
+          </a:p>
+          <a:p>
+            <a:endParaRPr lang="de-CH" dirty="0" smtClean="0"/>
+          </a:p>
+          <a:p>
+            <a:r>
+              <a:rPr lang="de-CH" dirty="0" err="1" smtClean="0"/>
+              <a:t>Corrective</a:t>
+            </a:r>
+            <a:r>
+              <a:rPr lang="de-CH" dirty="0" smtClean="0"/>
+              <a:t>:</a:t>
+            </a:r>
+          </a:p>
+          <a:p>
+            <a:pPr lvl="1"/>
+            <a:r>
+              <a:rPr lang="de-CH" dirty="0" err="1" smtClean="0"/>
+              <a:t>Preprocessor</a:t>
+            </a:r>
+            <a:r>
+              <a:rPr lang="de-CH" dirty="0" smtClean="0"/>
+              <a:t>-Definition: __&lt;</a:t>
+            </a:r>
+            <a:r>
+              <a:rPr lang="de-CH" dirty="0" err="1" smtClean="0"/>
+              <a:t>FileName</a:t>
+            </a:r>
+            <a:r>
+              <a:rPr lang="de-CH" dirty="0" smtClean="0"/>
+              <a:t>&gt;_H_</a:t>
+            </a:r>
+            <a:endParaRPr lang="en-GB" dirty="0"/>
+          </a:p>
+        </p:txBody>
+      </p:sp>
+      <p:pic>
+        <p:nvPicPr>
+          <p:cNvPr id="4" name="Grafik 3"/>
+          <p:cNvPicPr>
+            <a:picLocks noChangeAspect="1"/>
+          </p:cNvPicPr>
+          <p:nvPr/>
+        </p:nvPicPr>
+        <p:blipFill>
+          <a:blip r:embed="rId2"/>
+          <a:stretch>
+            <a:fillRect/>
+          </a:stretch>
+        </p:blipFill>
+        <p:spPr>
+          <a:xfrm>
+            <a:off x="7868295" y="365125"/>
+            <a:ext cx="3293367" cy="4024725"/>
+          </a:xfrm>
+          <a:prstGeom prst="rect">
+            <a:avLst/>
+          </a:prstGeom>
+        </p:spPr>
+      </p:pic>
+      <p:pic>
+        <p:nvPicPr>
+          <p:cNvPr id="5" name="Grafik 4"/>
+          <p:cNvPicPr>
+            <a:picLocks noChangeAspect="1"/>
+          </p:cNvPicPr>
+          <p:nvPr/>
+        </p:nvPicPr>
+        <p:blipFill>
+          <a:blip r:embed="rId3"/>
+          <a:stretch>
+            <a:fillRect/>
+          </a:stretch>
+        </p:blipFill>
+        <p:spPr>
+          <a:xfrm>
+            <a:off x="905477" y="4389850"/>
+            <a:ext cx="5190523" cy="2166730"/>
+          </a:xfrm>
+          <a:prstGeom prst="rect">
+            <a:avLst/>
+          </a:prstGeom>
+        </p:spPr>
+      </p:pic>
+    </p:spTree>
+    <p:extLst>
+      <p:ext uri="{BB962C8B-B14F-4D97-AF65-F5344CB8AC3E}">
+        <p14:creationId xmlns:p14="http://schemas.microsoft.com/office/powerpoint/2010/main" val="3528988627"/>
+      </p:ext>
+    </p:extLst>
+  </p:cSld>
+  <p:clrMapOvr>
+    <a:masterClrMapping/>
+  </p:clrMapOvr>
+  <p:timing>
+    <p:tnLst>
+      <p:par>
+        <p:cTn id="1" dur="indefinite" restart="never" nodeType="tmRoot"/>
+      </p:par>
+    </p:tnLst>
+  </p:timing>
+</p:sld>
+</file>
+
+<file path=ppt/slides/slide8.xml><?xml version="1.0" encoding="utf-8"?>
+<p:sld xmlns:a="http://schemas.openxmlformats.org/drawingml/2006/main" xmlns:r="http://schemas.openxmlformats.org/officeDocument/2006/relationships" xmlns:p="http://schemas.openxmlformats.org/presentationml/2006/main">
+  <p:cSld>
+    <p:spTree>
+      <p:nvGrpSpPr>
+        <p:cNvPr id="1" name=""/>
+        <p:cNvGrpSpPr/>
+        <p:nvPr/>
+      </p:nvGrpSpPr>
+      <p:grpSpPr>
+        <a:xfrm>
+          <a:off x="0" y="0"/>
+          <a:ext cx="0" cy="0"/>
+          <a:chOff x="0" y="0"/>
+          <a:chExt cx="0" cy="0"/>
+        </a:xfrm>
+      </p:grpSpPr>
+      <p:sp>
+        <p:nvSpPr>
+          <p:cNvPr id="2" name="Titel 1"/>
+          <p:cNvSpPr>
+            <a:spLocks noGrp="1"/>
+          </p:cNvSpPr>
+          <p:nvPr>
+            <p:ph type="title"/>
+          </p:nvPr>
+        </p:nvSpPr>
+        <p:spPr/>
+        <p:txBody>
+          <a:bodyPr/>
+          <a:lstStyle/>
+          <a:p>
+            <a:r>
+              <a:rPr lang="de-CH" dirty="0" err="1" smtClean="0"/>
+              <a:t>Questions</a:t>
+            </a:r>
+            <a:endParaRPr lang="en-GB" dirty="0"/>
+          </a:p>
+        </p:txBody>
+      </p:sp>
+      <p:sp>
+        <p:nvSpPr>
+          <p:cNvPr id="3" name="Inhaltsplatzhalter 2"/>
+          <p:cNvSpPr>
+            <a:spLocks noGrp="1"/>
+          </p:cNvSpPr>
+          <p:nvPr>
+            <p:ph idx="1"/>
+          </p:nvPr>
+        </p:nvSpPr>
+        <p:spPr/>
+        <p:txBody>
+          <a:bodyPr>
+            <a:normAutofit/>
+          </a:bodyPr>
+          <a:lstStyle/>
+          <a:p>
+            <a:r>
+              <a:rPr lang="de-CH" dirty="0" err="1" smtClean="0"/>
+              <a:t>Why</a:t>
+            </a:r>
+            <a:r>
+              <a:rPr lang="de-CH" dirty="0" smtClean="0"/>
+              <a:t> </a:t>
+            </a:r>
+            <a:r>
+              <a:rPr lang="de-CH" dirty="0" err="1" smtClean="0"/>
+              <a:t>schould</a:t>
+            </a:r>
+            <a:r>
+              <a:rPr lang="de-CH" dirty="0" smtClean="0"/>
+              <a:t> </a:t>
+            </a:r>
+            <a:r>
+              <a:rPr lang="de-CH" dirty="0" err="1" smtClean="0"/>
+              <a:t>placed</a:t>
+            </a:r>
+            <a:r>
+              <a:rPr lang="de-CH" dirty="0" smtClean="0"/>
+              <a:t> </a:t>
+            </a:r>
+            <a:r>
+              <a:rPr lang="de-CH" dirty="0" err="1" smtClean="0"/>
+              <a:t>everytime</a:t>
+            </a:r>
+            <a:r>
+              <a:rPr lang="de-CH" dirty="0" smtClean="0"/>
+              <a:t> </a:t>
+            </a:r>
+            <a:r>
+              <a:rPr lang="de-CH" dirty="0" err="1" smtClean="0"/>
+              <a:t>brackets</a:t>
+            </a:r>
+            <a:r>
+              <a:rPr lang="de-CH" dirty="0" smtClean="0"/>
+              <a:t> on </a:t>
+            </a:r>
+            <a:r>
+              <a:rPr lang="de-CH" dirty="0" err="1" smtClean="0"/>
+              <a:t>preprocessor</a:t>
+            </a:r>
+            <a:r>
+              <a:rPr lang="de-CH" dirty="0" smtClean="0"/>
+              <a:t> </a:t>
+            </a:r>
+            <a:r>
+              <a:rPr lang="de-CH" dirty="0" err="1" smtClean="0"/>
+              <a:t>commands</a:t>
+            </a:r>
+            <a:r>
+              <a:rPr lang="de-CH" dirty="0" smtClean="0"/>
+              <a:t> </a:t>
+            </a:r>
+            <a:r>
+              <a:rPr lang="de-CH" dirty="0" err="1" smtClean="0"/>
+              <a:t>with</a:t>
+            </a:r>
+            <a:r>
+              <a:rPr lang="de-CH" dirty="0" smtClean="0"/>
+              <a:t> </a:t>
+            </a:r>
+            <a:r>
+              <a:rPr lang="de-CH" dirty="0" err="1" smtClean="0"/>
+              <a:t>calculations</a:t>
+            </a:r>
+            <a:r>
+              <a:rPr lang="de-CH" dirty="0" smtClean="0"/>
+              <a:t>?</a:t>
+            </a:r>
+          </a:p>
+          <a:p>
+            <a:pPr marL="457200" lvl="1" indent="0">
+              <a:buNone/>
+            </a:pPr>
+            <a:r>
+              <a:rPr lang="de-CH" dirty="0" err="1"/>
+              <a:t>Example</a:t>
+            </a:r>
+            <a:r>
+              <a:rPr lang="de-CH" dirty="0"/>
+              <a:t>:</a:t>
+            </a:r>
+          </a:p>
+          <a:p>
+            <a:pPr marL="457200" lvl="1" indent="0">
+              <a:buNone/>
+            </a:pPr>
+            <a:r>
+              <a:rPr lang="de-CH" dirty="0"/>
+              <a:t>#</a:t>
+            </a:r>
+            <a:r>
+              <a:rPr lang="de-CH" dirty="0" err="1"/>
+              <a:t>define</a:t>
+            </a:r>
+            <a:r>
+              <a:rPr lang="de-CH" dirty="0"/>
+              <a:t> CALC1 (2+5)</a:t>
+            </a:r>
+          </a:p>
+          <a:p>
+            <a:pPr marL="457200" lvl="1" indent="0">
+              <a:buNone/>
+            </a:pPr>
+            <a:r>
+              <a:rPr lang="de-CH" dirty="0"/>
+              <a:t>#</a:t>
+            </a:r>
+            <a:r>
+              <a:rPr lang="de-CH" dirty="0" err="1"/>
+              <a:t>define</a:t>
+            </a:r>
+            <a:r>
+              <a:rPr lang="de-CH" dirty="0"/>
+              <a:t> CALC2 (5*3)</a:t>
+            </a:r>
+          </a:p>
+          <a:p>
+            <a:pPr marL="457200" lvl="1" indent="0">
+              <a:buNone/>
+            </a:pPr>
+            <a:endParaRPr lang="de-CH" dirty="0" smtClean="0"/>
+          </a:p>
+          <a:p>
+            <a:pPr marL="457200" lvl="1" indent="0">
+              <a:buNone/>
+            </a:pPr>
+            <a:r>
+              <a:rPr lang="de-CH" dirty="0">
+                <a:solidFill>
+                  <a:schemeClr val="tx1">
+                    <a:lumMod val="50000"/>
+                    <a:lumOff val="50000"/>
+                  </a:schemeClr>
+                </a:solidFill>
+              </a:rPr>
+              <a:t>In </a:t>
+            </a:r>
+            <a:r>
+              <a:rPr lang="de-CH" dirty="0" err="1">
+                <a:solidFill>
+                  <a:schemeClr val="tx1">
+                    <a:lumMod val="50000"/>
+                    <a:lumOff val="50000"/>
+                  </a:schemeClr>
+                </a:solidFill>
+              </a:rPr>
+              <a:t>some</a:t>
+            </a:r>
+            <a:r>
+              <a:rPr lang="de-CH" dirty="0">
+                <a:solidFill>
+                  <a:schemeClr val="tx1">
+                    <a:lumMod val="50000"/>
+                    <a:lumOff val="50000"/>
+                  </a:schemeClr>
+                </a:solidFill>
+              </a:rPr>
+              <a:t> </a:t>
+            </a:r>
+            <a:r>
+              <a:rPr lang="de-CH" dirty="0" err="1">
+                <a:solidFill>
+                  <a:schemeClr val="tx1">
+                    <a:lumMod val="50000"/>
+                    <a:lumOff val="50000"/>
+                  </a:schemeClr>
+                </a:solidFill>
+              </a:rPr>
+              <a:t>situations</a:t>
+            </a:r>
+            <a:r>
+              <a:rPr lang="de-CH" dirty="0">
+                <a:solidFill>
+                  <a:schemeClr val="tx1">
+                    <a:lumMod val="50000"/>
+                    <a:lumOff val="50000"/>
+                  </a:schemeClr>
+                </a:solidFill>
+              </a:rPr>
+              <a:t> </a:t>
+            </a:r>
+            <a:r>
+              <a:rPr lang="de-CH" dirty="0" err="1">
+                <a:solidFill>
+                  <a:schemeClr val="tx1">
+                    <a:lumMod val="50000"/>
+                    <a:lumOff val="50000"/>
+                  </a:schemeClr>
+                </a:solidFill>
+              </a:rPr>
+              <a:t>it</a:t>
+            </a:r>
+            <a:r>
+              <a:rPr lang="de-CH" dirty="0">
+                <a:solidFill>
+                  <a:schemeClr val="tx1">
+                    <a:lumMod val="50000"/>
+                    <a:lumOff val="50000"/>
+                  </a:schemeClr>
+                </a:solidFill>
+              </a:rPr>
+              <a:t> </a:t>
+            </a:r>
+            <a:r>
+              <a:rPr lang="de-CH" dirty="0" err="1">
+                <a:solidFill>
+                  <a:schemeClr val="tx1">
+                    <a:lumMod val="50000"/>
+                    <a:lumOff val="50000"/>
+                  </a:schemeClr>
+                </a:solidFill>
+              </a:rPr>
+              <a:t>get</a:t>
+            </a:r>
+            <a:r>
+              <a:rPr lang="de-CH" dirty="0">
+                <a:solidFill>
+                  <a:schemeClr val="tx1">
+                    <a:lumMod val="50000"/>
+                    <a:lumOff val="50000"/>
+                  </a:schemeClr>
+                </a:solidFill>
+              </a:rPr>
+              <a:t> </a:t>
+            </a:r>
+            <a:r>
+              <a:rPr lang="de-CH" dirty="0" err="1">
+                <a:solidFill>
+                  <a:schemeClr val="tx1">
+                    <a:lumMod val="50000"/>
+                    <a:lumOff val="50000"/>
+                  </a:schemeClr>
+                </a:solidFill>
+              </a:rPr>
+              <a:t>calculated</a:t>
+            </a:r>
+            <a:r>
+              <a:rPr lang="de-CH" dirty="0">
+                <a:solidFill>
+                  <a:schemeClr val="tx1">
+                    <a:lumMod val="50000"/>
+                    <a:lumOff val="50000"/>
+                  </a:schemeClr>
+                </a:solidFill>
+              </a:rPr>
+              <a:t> </a:t>
+            </a:r>
+            <a:r>
+              <a:rPr lang="de-CH" dirty="0" err="1">
+                <a:solidFill>
+                  <a:schemeClr val="tx1">
+                    <a:lumMod val="50000"/>
+                    <a:lumOff val="50000"/>
+                  </a:schemeClr>
+                </a:solidFill>
+              </a:rPr>
+              <a:t>wrong</a:t>
+            </a:r>
+            <a:r>
+              <a:rPr lang="de-CH" dirty="0">
+                <a:solidFill>
+                  <a:schemeClr val="tx1">
+                    <a:lumMod val="50000"/>
+                    <a:lumOff val="50000"/>
+                  </a:schemeClr>
+                </a:solidFill>
+              </a:rPr>
+              <a:t>. </a:t>
+            </a:r>
+          </a:p>
+          <a:p>
+            <a:pPr marL="457200" lvl="1" indent="0">
+              <a:buNone/>
+            </a:pPr>
+            <a:r>
+              <a:rPr lang="de-CH" dirty="0" err="1">
+                <a:solidFill>
+                  <a:schemeClr val="tx1">
+                    <a:lumMod val="50000"/>
+                    <a:lumOff val="50000"/>
+                  </a:schemeClr>
+                </a:solidFill>
+              </a:rPr>
+              <a:t>Int</a:t>
+            </a:r>
+            <a:r>
+              <a:rPr lang="de-CH" dirty="0">
+                <a:solidFill>
+                  <a:schemeClr val="tx1">
+                    <a:lumMod val="50000"/>
+                    <a:lumOff val="50000"/>
+                  </a:schemeClr>
+                </a:solidFill>
+              </a:rPr>
+              <a:t> </a:t>
+            </a:r>
+            <a:r>
+              <a:rPr lang="de-CH" dirty="0" err="1">
+                <a:solidFill>
+                  <a:schemeClr val="tx1">
+                    <a:lumMod val="50000"/>
+                    <a:lumOff val="50000"/>
+                  </a:schemeClr>
+                </a:solidFill>
+              </a:rPr>
+              <a:t>example</a:t>
+            </a:r>
+            <a:r>
+              <a:rPr lang="de-CH" dirty="0">
+                <a:solidFill>
+                  <a:schemeClr val="tx1">
+                    <a:lumMod val="50000"/>
+                    <a:lumOff val="50000"/>
+                  </a:schemeClr>
+                </a:solidFill>
+              </a:rPr>
+              <a:t> = 10*CALC1;</a:t>
+            </a:r>
+          </a:p>
+          <a:p>
+            <a:pPr marL="457200" lvl="1" indent="0">
+              <a:buNone/>
+            </a:pPr>
+            <a:r>
+              <a:rPr lang="de-CH" dirty="0" err="1">
+                <a:solidFill>
+                  <a:schemeClr val="tx1">
+                    <a:lumMod val="50000"/>
+                    <a:lumOff val="50000"/>
+                  </a:schemeClr>
+                </a:solidFill>
+              </a:rPr>
+              <a:t>Without</a:t>
+            </a:r>
+            <a:r>
+              <a:rPr lang="de-CH" dirty="0">
+                <a:solidFill>
+                  <a:schemeClr val="tx1">
+                    <a:lumMod val="50000"/>
+                    <a:lumOff val="50000"/>
+                  </a:schemeClr>
+                </a:solidFill>
+              </a:rPr>
+              <a:t> </a:t>
+            </a:r>
+            <a:r>
+              <a:rPr lang="de-CH" dirty="0" err="1">
+                <a:solidFill>
+                  <a:schemeClr val="tx1">
+                    <a:lumMod val="50000"/>
+                    <a:lumOff val="50000"/>
+                  </a:schemeClr>
+                </a:solidFill>
+              </a:rPr>
+              <a:t>brackets</a:t>
+            </a:r>
+            <a:r>
+              <a:rPr lang="de-CH" dirty="0">
+                <a:solidFill>
+                  <a:schemeClr val="tx1">
+                    <a:lumMod val="50000"/>
+                    <a:lumOff val="50000"/>
+                  </a:schemeClr>
+                </a:solidFill>
+              </a:rPr>
+              <a:t>: (10*2)+5</a:t>
+            </a:r>
+          </a:p>
+          <a:p>
+            <a:pPr marL="457200" lvl="1" indent="0">
+              <a:buNone/>
+            </a:pPr>
+            <a:endParaRPr lang="de-CH" dirty="0"/>
+          </a:p>
+        </p:txBody>
+      </p:sp>
+    </p:spTree>
+    <p:extLst>
+      <p:ext uri="{BB962C8B-B14F-4D97-AF65-F5344CB8AC3E}">
+        <p14:creationId xmlns:p14="http://schemas.microsoft.com/office/powerpoint/2010/main" val="539999329"/>
+      </p:ext>
+    </p:extLst>
+  </p:cSld>
+  <p:clrMapOvr>
+    <a:masterClrMapping/>
+  </p:clrMapOvr>
+  <p:timing>
+    <p:tnLst>
+      <p:par>
+        <p:cTn id="1" dur="indefinite" restart="never" nodeType="tmRoot">
+          <p:childTnLst>
+            <p:seq concurrent="1" nextAc="seek">
+              <p:cTn id="2" dur="indefinite" nodeType="mainSeq">
+                <p:childTnLst>
+                  <p:par>
+                    <p:cTn id="3" fill="hold">
+                      <p:stCondLst>
+                        <p:cond delay="indefinite"/>
+                      </p:stCondLst>
+                      <p:childTnLst>
+                        <p:par>
+                          <p:cTn id="4" fill="hold">
+                            <p:stCondLst>
+                              <p:cond delay="0"/>
+                            </p:stCondLst>
+                            <p:childTnLst>
+                              <p:par>
+                                <p:cTn id="5" presetID="1" presetClass="entr" presetSubtype="0" fill="hold" nodeType="clickEffect">
+                                  <p:stCondLst>
+                                    <p:cond delay="0"/>
+                                  </p:stCondLst>
+                                  <p:childTnLst>
+                                    <p:set>
+                                      <p:cBhvr>
+                                        <p:cTn id="6" dur="1" fill="hold">
+                                          <p:stCondLst>
+                                            <p:cond delay="0"/>
+                                          </p:stCondLst>
+                                        </p:cTn>
+                                        <p:tgtEl>
+                                          <p:spTgt spid="3">
+                                            <p:txEl>
+                                              <p:pRg st="5" end="5"/>
+                                            </p:txEl>
+                                          </p:spTgt>
+                                        </p:tgtEl>
+                                        <p:attrNameLst>
+                                          <p:attrName>style.visibility</p:attrName>
+                                        </p:attrNameLst>
+                                      </p:cBhvr>
+                                      <p:to>
+                                        <p:strVal val="visible"/>
+                                      </p:to>
+                                    </p:set>
+                                  </p:childTnLst>
+                                </p:cTn>
+                              </p:par>
+                              <p:par>
+                                <p:cTn id="7" presetID="1" presetClass="entr" presetSubtype="0" fill="hold" nodeType="withEffect">
+                                  <p:stCondLst>
+                                    <p:cond delay="0"/>
+                                  </p:stCondLst>
+                                  <p:childTnLst>
+                                    <p:set>
+                                      <p:cBhvr>
+                                        <p:cTn id="8" dur="1" fill="hold">
+                                          <p:stCondLst>
+                                            <p:cond delay="0"/>
+                                          </p:stCondLst>
+                                        </p:cTn>
+                                        <p:tgtEl>
+                                          <p:spTgt spid="3">
+                                            <p:txEl>
+                                              <p:pRg st="6" end="6"/>
+                                            </p:txEl>
+                                          </p:spTgt>
+                                        </p:tgtEl>
+                                        <p:attrNameLst>
+                                          <p:attrName>style.visibility</p:attrName>
+                                        </p:attrNameLst>
+                                      </p:cBhvr>
+                                      <p:to>
+                                        <p:strVal val="visible"/>
+                                      </p:to>
+                                    </p:set>
+                                  </p:childTnLst>
+                                </p:cTn>
+                              </p:par>
+                              <p:par>
+                                <p:cTn id="9" presetID="1" presetClass="entr" presetSubtype="0" fill="hold" nodeType="withEffect">
+                                  <p:stCondLst>
+                                    <p:cond delay="0"/>
+                                  </p:stCondLst>
+                                  <p:childTnLst>
+                                    <p:set>
+                                      <p:cBhvr>
+                                        <p:cTn id="10" dur="1" fill="hold">
+                                          <p:stCondLst>
+                                            <p:cond delay="0"/>
+                                          </p:stCondLst>
+                                        </p:cTn>
+                                        <p:tgtEl>
+                                          <p:spTgt spid="3">
+                                            <p:txEl>
+                                              <p:pRg st="7" end="7"/>
+                                            </p:txEl>
+                                          </p:spTgt>
+                                        </p:tgtEl>
+                                        <p:attrNameLst>
+                                          <p:attrName>style.visibility</p:attrName>
+                                        </p:attrNameLst>
+                                      </p:cBhvr>
+                                      <p:to>
+                                        <p:strVal val="visible"/>
+                                      </p:to>
+                                    </p:set>
+                                  </p:childTnLst>
+                                </p:cTn>
+                              </p:par>
+                            </p:childTnLst>
+                          </p:cTn>
+                        </p:par>
+                      </p:childTnLst>
+                    </p:cTn>
+                  </p:par>
+                </p:childTnLst>
+              </p:cTn>
+              <p:prevCondLst>
+                <p:cond evt="onPrev" delay="0">
+                  <p:tgtEl>
+                    <p:sldTgt/>
+                  </p:tgtEl>
+                </p:cond>
+              </p:prevCondLst>
+              <p:nextCondLst>
+                <p:cond evt="onNext" delay="0">
+                  <p:tgtEl>
+                    <p:sldTgt/>
+                  </p:tgtEl>
+                </p:cond>
+              </p:nextCondLst>
+            </p:seq>
+          </p:childTnLst>
+        </p:cTn>
+      </p:par>
+    </p:tnLst>
+  </p:timing>
+</p:sld>
+</file>
+
+<file path=ppt/slides/slide9.xml><?xml version="1.0" encoding="utf-8"?>
+<p:sld xmlns:a="http://schemas.openxmlformats.org/drawingml/2006/main" xmlns:r="http://schemas.openxmlformats.org/officeDocument/2006/relationships" xmlns:p="http://schemas.openxmlformats.org/presentationml/2006/main">
+  <p:cSld>
+    <p:spTree>
+      <p:nvGrpSpPr>
+        <p:cNvPr id="1" name=""/>
+        <p:cNvGrpSpPr/>
+        <p:nvPr/>
+      </p:nvGrpSpPr>
+      <p:grpSpPr>
+        <a:xfrm>
+          <a:off x="0" y="0"/>
+          <a:ext cx="0" cy="0"/>
+          <a:chOff x="0" y="0"/>
+          <a:chExt cx="0" cy="0"/>
+        </a:xfrm>
+      </p:grpSpPr>
+      <p:sp>
+        <p:nvSpPr>
+          <p:cNvPr id="2" name="Titel 1"/>
+          <p:cNvSpPr>
+            <a:spLocks noGrp="1"/>
+          </p:cNvSpPr>
+          <p:nvPr>
+            <p:ph type="title"/>
+          </p:nvPr>
+        </p:nvSpPr>
+        <p:spPr/>
+        <p:txBody>
+          <a:bodyPr/>
+          <a:lstStyle/>
+          <a:p>
+            <a:r>
+              <a:rPr lang="de-CH" dirty="0" err="1" smtClean="0"/>
+              <a:t>Questions</a:t>
+            </a:r>
+            <a:endParaRPr lang="en-GB" dirty="0"/>
+          </a:p>
+        </p:txBody>
+      </p:sp>
+      <p:sp>
+        <p:nvSpPr>
+          <p:cNvPr id="3" name="Inhaltsplatzhalter 2"/>
+          <p:cNvSpPr>
+            <a:spLocks noGrp="1"/>
+          </p:cNvSpPr>
+          <p:nvPr>
+            <p:ph idx="1"/>
+          </p:nvPr>
+        </p:nvSpPr>
+        <p:spPr>
+          <a:xfrm>
+            <a:off x="838200" y="1825625"/>
+            <a:ext cx="10515600" cy="4654688"/>
+          </a:xfrm>
+        </p:spPr>
+        <p:txBody>
+          <a:bodyPr>
+            <a:normAutofit/>
+          </a:bodyPr>
+          <a:lstStyle/>
+          <a:p>
+            <a:r>
+              <a:rPr lang="de-CH" dirty="0" smtClean="0"/>
+              <a:t>Advantages </a:t>
+            </a:r>
+            <a:r>
+              <a:rPr lang="de-CH" dirty="0" err="1" smtClean="0"/>
+              <a:t>and</a:t>
+            </a:r>
+            <a:r>
+              <a:rPr lang="de-CH" dirty="0" smtClean="0"/>
+              <a:t> </a:t>
+            </a:r>
+            <a:r>
+              <a:rPr lang="de-CH" dirty="0" err="1" smtClean="0"/>
+              <a:t>disadvantages</a:t>
+            </a:r>
+            <a:r>
+              <a:rPr lang="de-CH" dirty="0" smtClean="0"/>
+              <a:t> </a:t>
+            </a:r>
+            <a:r>
+              <a:rPr lang="de-CH" dirty="0" err="1" smtClean="0"/>
+              <a:t>of</a:t>
+            </a:r>
+            <a:r>
+              <a:rPr lang="de-CH" dirty="0" smtClean="0"/>
+              <a:t> </a:t>
+            </a:r>
+            <a:r>
+              <a:rPr lang="de-CH" dirty="0" err="1" smtClean="0"/>
+              <a:t>Macros</a:t>
+            </a:r>
+            <a:endParaRPr lang="de-CH" dirty="0" smtClean="0"/>
+          </a:p>
+          <a:p>
+            <a:pPr marL="0" indent="0">
+              <a:buNone/>
+            </a:pPr>
+            <a:endParaRPr lang="de-CH" dirty="0"/>
+          </a:p>
+          <a:p>
+            <a:r>
+              <a:rPr lang="de-CH" dirty="0" smtClean="0">
+                <a:solidFill>
+                  <a:schemeClr val="tx1">
+                    <a:lumMod val="50000"/>
+                    <a:lumOff val="50000"/>
+                  </a:schemeClr>
+                </a:solidFill>
+              </a:rPr>
+              <a:t>Advantages:</a:t>
+            </a:r>
+          </a:p>
+          <a:p>
+            <a:pPr lvl="1"/>
+            <a:r>
+              <a:rPr lang="de-CH" dirty="0" err="1" smtClean="0">
+                <a:solidFill>
+                  <a:schemeClr val="tx1">
+                    <a:lumMod val="50000"/>
+                    <a:lumOff val="50000"/>
+                  </a:schemeClr>
+                </a:solidFill>
+              </a:rPr>
+              <a:t>Faster</a:t>
+            </a:r>
+            <a:r>
+              <a:rPr lang="de-CH" dirty="0" smtClean="0">
+                <a:solidFill>
+                  <a:schemeClr val="tx1">
+                    <a:lumMod val="50000"/>
+                    <a:lumOff val="50000"/>
+                  </a:schemeClr>
+                </a:solidFill>
+              </a:rPr>
+              <a:t> </a:t>
+            </a:r>
+            <a:r>
+              <a:rPr lang="de-CH" dirty="0" err="1" smtClean="0">
+                <a:solidFill>
+                  <a:schemeClr val="tx1">
+                    <a:lumMod val="50000"/>
+                    <a:lumOff val="50000"/>
+                  </a:schemeClr>
+                </a:solidFill>
+              </a:rPr>
+              <a:t>code</a:t>
+            </a:r>
+            <a:endParaRPr lang="de-CH" dirty="0" smtClean="0">
+              <a:solidFill>
+                <a:schemeClr val="tx1">
+                  <a:lumMod val="50000"/>
+                  <a:lumOff val="50000"/>
+                </a:schemeClr>
+              </a:solidFill>
+            </a:endParaRPr>
+          </a:p>
+          <a:p>
+            <a:pPr lvl="1"/>
+            <a:r>
+              <a:rPr lang="de-CH" dirty="0" err="1" smtClean="0">
+                <a:solidFill>
+                  <a:schemeClr val="tx1">
+                    <a:lumMod val="50000"/>
+                    <a:lumOff val="50000"/>
+                  </a:schemeClr>
+                </a:solidFill>
+              </a:rPr>
+              <a:t>Smalle</a:t>
+            </a:r>
+            <a:endParaRPr lang="de-CH" dirty="0" smtClean="0">
+              <a:solidFill>
+                <a:schemeClr val="tx1">
+                  <a:lumMod val="50000"/>
+                  <a:lumOff val="50000"/>
+                </a:schemeClr>
+              </a:solidFill>
+            </a:endParaRPr>
+          </a:p>
+          <a:p>
+            <a:r>
+              <a:rPr lang="de-CH" dirty="0" err="1" smtClean="0">
+                <a:solidFill>
+                  <a:schemeClr val="tx1">
+                    <a:lumMod val="50000"/>
+                    <a:lumOff val="50000"/>
+                  </a:schemeClr>
+                </a:solidFill>
+              </a:rPr>
+              <a:t>Disadvantages</a:t>
+            </a:r>
+            <a:r>
+              <a:rPr lang="de-CH" dirty="0">
+                <a:solidFill>
+                  <a:schemeClr val="tx1">
+                    <a:lumMod val="50000"/>
+                    <a:lumOff val="50000"/>
+                  </a:schemeClr>
+                </a:solidFill>
+              </a:rPr>
+              <a:t>:</a:t>
+            </a:r>
+          </a:p>
+          <a:p>
+            <a:pPr lvl="1"/>
+            <a:r>
+              <a:rPr lang="de-CH" dirty="0" smtClean="0">
+                <a:solidFill>
+                  <a:schemeClr val="tx1">
+                    <a:lumMod val="50000"/>
+                    <a:lumOff val="50000"/>
+                  </a:schemeClr>
+                </a:solidFill>
+              </a:rPr>
+              <a:t>Interface</a:t>
+            </a:r>
+          </a:p>
+          <a:p>
+            <a:pPr lvl="1"/>
+            <a:r>
+              <a:rPr lang="de-CH" dirty="0" err="1" smtClean="0">
+                <a:solidFill>
+                  <a:schemeClr val="tx1">
+                    <a:lumMod val="50000"/>
+                    <a:lumOff val="50000"/>
+                  </a:schemeClr>
+                </a:solidFill>
+              </a:rPr>
+              <a:t>Encapsulation</a:t>
+            </a:r>
+            <a:endParaRPr lang="de-CH" dirty="0" smtClean="0">
+              <a:solidFill>
+                <a:schemeClr val="tx1">
+                  <a:lumMod val="50000"/>
+                  <a:lumOff val="50000"/>
+                </a:schemeClr>
+              </a:solidFill>
+            </a:endParaRPr>
+          </a:p>
+          <a:p>
+            <a:pPr lvl="1"/>
+            <a:r>
+              <a:rPr lang="de-CH" dirty="0" smtClean="0">
+                <a:solidFill>
+                  <a:schemeClr val="tx1">
+                    <a:lumMod val="50000"/>
+                    <a:lumOff val="50000"/>
+                  </a:schemeClr>
+                </a:solidFill>
+              </a:rPr>
+              <a:t>Debugging</a:t>
+            </a:r>
+            <a:endParaRPr lang="de-CH" dirty="0">
+              <a:solidFill>
+                <a:schemeClr val="tx1">
+                  <a:lumMod val="50000"/>
+                  <a:lumOff val="50000"/>
+                </a:schemeClr>
+              </a:solidFill>
+            </a:endParaRPr>
+          </a:p>
+        </p:txBody>
+      </p:sp>
+    </p:spTree>
+    <p:extLst>
+      <p:ext uri="{BB962C8B-B14F-4D97-AF65-F5344CB8AC3E}">
+        <p14:creationId xmlns:p14="http://schemas.microsoft.com/office/powerpoint/2010/main" val="3356774743"/>
+      </p:ext>
+    </p:extLst>
+  </p:cSld>
+  <p:clrMapOvr>
+    <a:masterClrMapping/>
+  </p:clrMapOvr>
+  <p:timing>
+    <p:tnLst>
+      <p:par>
+        <p:cTn id="1" dur="indefinite" restart="never" nodeType="tmRoot">
+          <p:childTnLst>
+            <p:seq concurrent="1" nextAc="seek">
+              <p:cTn id="2" dur="indefinite" nodeType="mainSeq">
+                <p:childTnLst>
+                  <p:par>
+                    <p:cTn id="3" fill="hold">
+                      <p:stCondLst>
+                        <p:cond delay="indefinite"/>
+                      </p:stCondLst>
+                      <p:childTnLst>
+                        <p:par>
+                          <p:cTn id="4" fill="hold">
+                            <p:stCondLst>
+                              <p:cond delay="0"/>
+                            </p:stCondLst>
+                            <p:childTnLst>
+                              <p:par>
+                                <p:cTn id="5" presetID="1" presetClass="entr" presetSubtype="0" fill="hold" nodeType="clickEffect">
+                                  <p:stCondLst>
+                                    <p:cond delay="0"/>
+                                  </p:stCondLst>
+                                  <p:childTnLst>
+                                    <p:set>
+                                      <p:cBhvr>
+                                        <p:cTn id="6" dur="1" fill="hold">
+                                          <p:stCondLst>
+                                            <p:cond delay="0"/>
+                                          </p:stCondLst>
+                                        </p:cTn>
+                                        <p:tgtEl>
+                                          <p:spTgt spid="3">
+                                            <p:txEl>
+                                              <p:pRg st="2" end="2"/>
+                                            </p:txEl>
+                                          </p:spTgt>
+                                        </p:tgtEl>
+                                        <p:attrNameLst>
+                                          <p:attrName>style.visibility</p:attrName>
+                                        </p:attrNameLst>
+                                      </p:cBhvr>
+                                      <p:to>
+                                        <p:strVal val="visible"/>
+                                      </p:to>
+                                    </p:set>
+                                  </p:childTnLst>
+                                </p:cTn>
+                              </p:par>
+                              <p:par>
+                                <p:cTn id="7" presetID="1" presetClass="entr" presetSubtype="0" fill="hold" nodeType="withEffect">
+                                  <p:stCondLst>
+                                    <p:cond delay="0"/>
+                                  </p:stCondLst>
+                                  <p:childTnLst>
+                                    <p:set>
+                                      <p:cBhvr>
+                                        <p:cTn id="8" dur="1" fill="hold">
+                                          <p:stCondLst>
+                                            <p:cond delay="0"/>
+                                          </p:stCondLst>
+                                        </p:cTn>
+                                        <p:tgtEl>
+                                          <p:spTgt spid="3">
+                                            <p:txEl>
+                                              <p:pRg st="3" end="3"/>
+                                            </p:txEl>
+                                          </p:spTgt>
+                                        </p:tgtEl>
+                                        <p:attrNameLst>
+                                          <p:attrName>style.visibility</p:attrName>
+                                        </p:attrNameLst>
+                                      </p:cBhvr>
+                                      <p:to>
+                                        <p:strVal val="visible"/>
+                                      </p:to>
+                                    </p:set>
+                                  </p:childTnLst>
+                                </p:cTn>
+                              </p:par>
+                              <p:par>
+                                <p:cTn id="9" presetID="1" presetClass="entr" presetSubtype="0" fill="hold" nodeType="withEffect">
+                                  <p:stCondLst>
+                                    <p:cond delay="0"/>
+                                  </p:stCondLst>
+                                  <p:childTnLst>
+                                    <p:set>
+                                      <p:cBhvr>
+                                        <p:cTn id="10" dur="1" fill="hold">
+                                          <p:stCondLst>
+                                            <p:cond delay="0"/>
+                                          </p:stCondLst>
+                                        </p:cTn>
+                                        <p:tgtEl>
+                                          <p:spTgt spid="3">
+                                            <p:txEl>
+                                              <p:pRg st="4" end="4"/>
+                                            </p:txEl>
+                                          </p:spTgt>
+                                        </p:tgtEl>
+                                        <p:attrNameLst>
+                                          <p:attrName>style.visibility</p:attrName>
+                                        </p:attrNameLst>
+                                      </p:cBhvr>
+                                      <p:to>
+                                        <p:strVal val="visible"/>
+                                      </p:to>
+                                    </p:set>
+                                  </p:childTnLst>
+                                </p:cTn>
+                              </p:par>
+                              <p:par>
+                                <p:cTn id="11" presetID="1" presetClass="entr" presetSubtype="0" fill="hold" nodeType="withEffect">
+                                  <p:stCondLst>
+                                    <p:cond delay="0"/>
+                                  </p:stCondLst>
+                                  <p:childTnLst>
+                                    <p:set>
+                                      <p:cBhvr>
+                                        <p:cTn id="12" dur="1" fill="hold">
+                                          <p:stCondLst>
+                                            <p:cond delay="0"/>
+                                          </p:stCondLst>
+                                        </p:cTn>
+                                        <p:tgtEl>
+                                          <p:spTgt spid="3">
+                                            <p:txEl>
+                                              <p:pRg st="5" end="5"/>
+                                            </p:txEl>
+                                          </p:spTgt>
+                                        </p:tgtEl>
+                                        <p:attrNameLst>
+                                          <p:attrName>style.visibility</p:attrName>
+                                        </p:attrNameLst>
+                                      </p:cBhvr>
+                                      <p:to>
+                                        <p:strVal val="visible"/>
+                                      </p:to>
+                                    </p:set>
+                                  </p:childTnLst>
+                                </p:cTn>
+                              </p:par>
+                              <p:par>
+                                <p:cTn id="13" presetID="1" presetClass="entr" presetSubtype="0" fill="hold" nodeType="withEffect">
+                                  <p:stCondLst>
+                                    <p:cond delay="0"/>
+                                  </p:stCondLst>
+                                  <p:childTnLst>
+                                    <p:set>
+                                      <p:cBhvr>
+                                        <p:cTn id="14" dur="1" fill="hold">
+                                          <p:stCondLst>
+                                            <p:cond delay="0"/>
+                                          </p:stCondLst>
+                                        </p:cTn>
+                                        <p:tgtEl>
+                                          <p:spTgt spid="3">
+                                            <p:txEl>
+                                              <p:pRg st="6" end="6"/>
+                                            </p:txEl>
+                                          </p:spTgt>
+                                        </p:tgtEl>
+                                        <p:attrNameLst>
+                                          <p:attrName>style.visibility</p:attrName>
+                                        </p:attrNameLst>
+                                      </p:cBhvr>
+                                      <p:to>
+                                        <p:strVal val="visible"/>
+                                      </p:to>
+                                    </p:set>
+                                  </p:childTnLst>
+                                </p:cTn>
+                              </p:par>
+                              <p:par>
+                                <p:cTn id="15" presetID="1" presetClass="entr" presetSubtype="0" fill="hold" nodeType="withEffect">
+                                  <p:stCondLst>
+                                    <p:cond delay="0"/>
+                                  </p:stCondLst>
+                                  <p:childTnLst>
+                                    <p:set>
+                                      <p:cBhvr>
+                                        <p:cTn id="16" dur="1" fill="hold">
+                                          <p:stCondLst>
+                                            <p:cond delay="0"/>
+                                          </p:stCondLst>
+                                        </p:cTn>
+                                        <p:tgtEl>
+                                          <p:spTgt spid="3">
+                                            <p:txEl>
+                                              <p:pRg st="7" end="7"/>
+                                            </p:txEl>
+                                          </p:spTgt>
+                                        </p:tgtEl>
+                                        <p:attrNameLst>
+                                          <p:attrName>style.visibility</p:attrName>
+                                        </p:attrNameLst>
+                                      </p:cBhvr>
+                                      <p:to>
+                                        <p:strVal val="visible"/>
+                                      </p:to>
+                                    </p:set>
+                                  </p:childTnLst>
+                                </p:cTn>
+                              </p:par>
+                              <p:par>
+                                <p:cTn id="17" presetID="1" presetClass="entr" presetSubtype="0" fill="hold" nodeType="withEffect">
+                                  <p:stCondLst>
+                                    <p:cond delay="0"/>
+                                  </p:stCondLst>
+                                  <p:childTnLst>
+                                    <p:set>
+                                      <p:cBhvr>
+                                        <p:cTn id="18" dur="1" fill="hold">
+                                          <p:stCondLst>
+                                            <p:cond delay="0"/>
+                                          </p:stCondLst>
+                                        </p:cTn>
+                                        <p:tgtEl>
+                                          <p:spTgt spid="3">
+                                            <p:txEl>
+                                              <p:pRg st="8" end="8"/>
+                                            </p:txEl>
+                                          </p:spTgt>
+                                        </p:tgtEl>
+                                        <p:attrNameLst>
+                                          <p:attrName>style.visibility</p:attrName>
+                                        </p:attrNameLst>
+                                      </p:cBhvr>
+                                      <p:to>
+                                        <p:strVal val="visible"/>
+                                      </p:to>
+                                    </p:set>
+                                  </p:childTnLst>
+                                </p:cTn>
+                              </p:par>
+                            </p:childTnLst>
+                          </p:cTn>
+                        </p:par>
+                      </p:childTnLst>
+                    </p:cTn>
+                  </p:par>
+                </p:childTnLst>
+              </p:cTn>
+              <p:prevCondLst>
+                <p:cond evt="onPrev" delay="0">
+                  <p:tgtEl>
+                    <p:sldTgt/>
+                  </p:tgtEl>
+                </p:cond>
+              </p:prevCondLst>
+              <p:nextCondLst>
+                <p:cond evt="onNext" delay="0">
+                  <p:tgtEl>
+                    <p:sldTgt/>
+                  </p:tgtEl>
+                </p:cond>
+              </p:nextCondLst>
+            </p:seq>
+          </p:childTnLst>
+        </p:cTn>
       </p:par>
     </p:tnLst>
   </p:timing>
@@ -3650,7 +6412,268 @@
   <a:extraClrSchemeLst/>
   <a:extLst>
     <a:ext uri="{05A4C25C-085E-4340-85A3-A5531E510DB2}">
-      <thm15:themeFamily xmlns:thm15="http://schemas.microsoft.com/office/thememl/2012/main" xmlns="" name="Office Theme" id="{62F939B6-93AF-4DB8-9C6B-D6C7DFDC589F}" vid="{4A3C46E8-61CC-4603-A589-7422A47A8E4A}"/>
+      <thm15:themeFamily xmlns:thm15="http://schemas.microsoft.com/office/thememl/2012/main" name="Office Theme" id="{62F939B6-93AF-4DB8-9C6B-D6C7DFDC589F}" vid="{4A3C46E8-61CC-4603-A589-7422A47A8E4A}"/>
+    </a:ext>
+  </a:extLst>
+</a:theme>
+</file>
+
+<file path=ppt/theme/theme2.xml><?xml version="1.0" encoding="utf-8"?>
+<a:theme xmlns:a="http://schemas.openxmlformats.org/drawingml/2006/main" name="Office Theme">
+  <a:themeElements>
+    <a:clrScheme name="Office">
+      <a:dk1>
+        <a:sysClr val="windowText" lastClr="000000"/>
+      </a:dk1>
+      <a:lt1>
+        <a:sysClr val="window" lastClr="FFFFFF"/>
+      </a:lt1>
+      <a:dk2>
+        <a:srgbClr val="44546A"/>
+      </a:dk2>
+      <a:lt2>
+        <a:srgbClr val="E7E6E6"/>
+      </a:lt2>
+      <a:accent1>
+        <a:srgbClr val="5B9BD5"/>
+      </a:accent1>
+      <a:accent2>
+        <a:srgbClr val="ED7D31"/>
+      </a:accent2>
+      <a:accent3>
+        <a:srgbClr val="A5A5A5"/>
+      </a:accent3>
+      <a:accent4>
+        <a:srgbClr val="FFC000"/>
+      </a:accent4>
+      <a:accent5>
+        <a:srgbClr val="4472C4"/>
+      </a:accent5>
+      <a:accent6>
+        <a:srgbClr val="70AD47"/>
+      </a:accent6>
+      <a:hlink>
+        <a:srgbClr val="0563C1"/>
+      </a:hlink>
+      <a:folHlink>
+        <a:srgbClr val="954F72"/>
+      </a:folHlink>
+    </a:clrScheme>
+    <a:fontScheme name="Office">
+      <a:majorFont>
+        <a:latin typeface="Calibri Light" panose="020F0302020204030204"/>
+        <a:ea typeface=""/>
+        <a:cs typeface=""/>
+        <a:font script="Jpan" typeface="ＭＳ Ｐゴシック"/>
+        <a:font script="Hang" typeface="맑은 고딕"/>
+        <a:font script="Hans" typeface="宋体"/>
+        <a:font script="Hant" typeface="新細明體"/>
+        <a:font script="Arab" typeface="Times New Roman"/>
+        <a:font script="Hebr" typeface="Times New Roman"/>
+        <a:font script="Thai" typeface="Angsana New"/>
+        <a:font script="Ethi" typeface="Nyala"/>
+        <a:font script="Beng" typeface="Vrinda"/>
+        <a:font script="Gujr" typeface="Shruti"/>
+        <a:font script="Khmr" typeface="MoolBoran"/>
+        <a:font script="Knda" typeface="Tunga"/>
+        <a:font script="Guru" typeface="Raavi"/>
+        <a:font script="Cans" typeface="Euphemia"/>
+        <a:font script="Cher" typeface="Plantagenet Cherokee"/>
+        <a:font script="Yiii" typeface="Microsoft Yi Baiti"/>
+        <a:font script="Tibt" typeface="Microsoft Himalaya"/>
+        <a:font script="Thaa" typeface="MV Boli"/>
+        <a:font script="Deva" typeface="Mangal"/>
+        <a:font script="Telu" typeface="Gautami"/>
+        <a:font script="Taml" typeface="Latha"/>
+        <a:font script="Syrc" typeface="Estrangelo Edessa"/>
+        <a:font script="Orya" typeface="Kalinga"/>
+        <a:font script="Mlym" typeface="Kartika"/>
+        <a:font script="Laoo" typeface="DokChampa"/>
+        <a:font script="Sinh" typeface="Iskoola Pota"/>
+        <a:font script="Mong" typeface="Mongolian Baiti"/>
+        <a:font script="Viet" typeface="Times New Roman"/>
+        <a:font script="Uigh" typeface="Microsoft Uighur"/>
+        <a:font script="Geor" typeface="Sylfaen"/>
+      </a:majorFont>
+      <a:minorFont>
+        <a:latin typeface="Calibri" panose="020F0502020204030204"/>
+        <a:ea typeface=""/>
+        <a:cs typeface=""/>
+        <a:font script="Jpan" typeface="ＭＳ Ｐゴシック"/>
+        <a:font script="Hang" typeface="맑은 고딕"/>
+        <a:font script="Hans" typeface="宋体"/>
+        <a:font script="Hant" typeface="新細明體"/>
+        <a:font script="Arab" typeface="Arial"/>
+        <a:font script="Hebr" typeface="Arial"/>
+        <a:font script="Thai" typeface="Cordia New"/>
+        <a:font script="Ethi" typeface="Nyala"/>
+        <a:font script="Beng" typeface="Vrinda"/>
+        <a:font script="Gujr" typeface="Shruti"/>
+        <a:font script="Khmr" typeface="DaunPenh"/>
+        <a:font script="Knda" typeface="Tunga"/>
+        <a:font script="Guru" typeface="Raavi"/>
+        <a:font script="Cans" typeface="Euphemia"/>
+        <a:font script="Cher" typeface="Plantagenet Cherokee"/>
+        <a:font script="Yiii" typeface="Microsoft Yi Baiti"/>
+        <a:font script="Tibt" typeface="Microsoft Himalaya"/>
+        <a:font script="Thaa" typeface="MV Boli"/>
+        <a:font script="Deva" typeface="Mangal"/>
+        <a:font script="Telu" typeface="Gautami"/>
+        <a:font script="Taml" typeface="Latha"/>
+        <a:font script="Syrc" typeface="Estrangelo Edessa"/>
+        <a:font script="Orya" typeface="Kalinga"/>
+        <a:font script="Mlym" typeface="Kartika"/>
+        <a:font script="Laoo" typeface="DokChampa"/>
+        <a:font script="Sinh" typeface="Iskoola Pota"/>
+        <a:font script="Mong" typeface="Mongolian Baiti"/>
+        <a:font script="Viet" typeface="Arial"/>
+        <a:font script="Uigh" typeface="Microsoft Uighur"/>
+        <a:font script="Geor" typeface="Sylfaen"/>
+      </a:minorFont>
+    </a:fontScheme>
+    <a:fmtScheme name="Office">
+      <a:fillStyleLst>
+        <a:solidFill>
+          <a:schemeClr val="phClr"/>
+        </a:solidFill>
+        <a:gradFill rotWithShape="1">
+          <a:gsLst>
+            <a:gs pos="0">
+              <a:schemeClr val="phClr">
+                <a:lumMod val="110000"/>
+                <a:satMod val="105000"/>
+                <a:tint val="67000"/>
+              </a:schemeClr>
+            </a:gs>
+            <a:gs pos="50000">
+              <a:schemeClr val="phClr">
+                <a:lumMod val="105000"/>
+                <a:satMod val="103000"/>
+                <a:tint val="73000"/>
+              </a:schemeClr>
+            </a:gs>
+            <a:gs pos="100000">
+              <a:schemeClr val="phClr">
+                <a:lumMod val="105000"/>
+                <a:satMod val="109000"/>
+                <a:tint val="81000"/>
+              </a:schemeClr>
+            </a:gs>
+          </a:gsLst>
+          <a:lin ang="5400000" scaled="0"/>
+        </a:gradFill>
+        <a:gradFill rotWithShape="1">
+          <a:gsLst>
+            <a:gs pos="0">
+              <a:schemeClr val="phClr">
+                <a:satMod val="103000"/>
+                <a:lumMod val="102000"/>
+                <a:tint val="94000"/>
+              </a:schemeClr>
+            </a:gs>
+            <a:gs pos="50000">
+              <a:schemeClr val="phClr">
+                <a:satMod val="110000"/>
+                <a:lumMod val="100000"/>
+                <a:shade val="100000"/>
+              </a:schemeClr>
+            </a:gs>
+            <a:gs pos="100000">
+              <a:schemeClr val="phClr">
+                <a:lumMod val="99000"/>
+                <a:satMod val="120000"/>
+                <a:shade val="78000"/>
+              </a:schemeClr>
+            </a:gs>
+          </a:gsLst>
+          <a:lin ang="5400000" scaled="0"/>
+        </a:gradFill>
+      </a:fillStyleLst>
+      <a:lnStyleLst>
+        <a:ln w="6350" cap="flat" cmpd="sng" algn="ctr">
+          <a:solidFill>
+            <a:schemeClr val="phClr"/>
+          </a:solidFill>
+          <a:prstDash val="solid"/>
+          <a:miter lim="800000"/>
+        </a:ln>
+        <a:ln w="12700" cap="flat" cmpd="sng" algn="ctr">
+          <a:solidFill>
+            <a:schemeClr val="phClr"/>
+          </a:solidFill>
+          <a:prstDash val="solid"/>
+          <a:miter lim="800000"/>
+        </a:ln>
+        <a:ln w="19050" cap="flat" cmpd="sng" algn="ctr">
+          <a:solidFill>
+            <a:schemeClr val="phClr"/>
+          </a:solidFill>
+          <a:prstDash val="solid"/>
+          <a:miter lim="800000"/>
+        </a:ln>
+      </a:lnStyleLst>
+      <a:effectStyleLst>
+        <a:effectStyle>
+          <a:effectLst/>
+        </a:effectStyle>
+        <a:effectStyle>
+          <a:effectLst/>
+        </a:effectStyle>
+        <a:effectStyle>
+          <a:effectLst>
+            <a:outerShdw blurRad="57150" dist="19050" dir="5400000" algn="ctr" rotWithShape="0">
+              <a:srgbClr val="000000">
+                <a:alpha val="63000"/>
+              </a:srgbClr>
+            </a:outerShdw>
+          </a:effectLst>
+        </a:effectStyle>
+      </a:effectStyleLst>
+      <a:bgFillStyleLst>
+        <a:solidFill>
+          <a:schemeClr val="phClr"/>
+        </a:solidFill>
+        <a:solidFill>
+          <a:schemeClr val="phClr">
+            <a:tint val="95000"/>
+            <a:satMod val="170000"/>
+          </a:schemeClr>
+        </a:solidFill>
+        <a:gradFill rotWithShape="1">
+          <a:gsLst>
+            <a:gs pos="0">
+              <a:schemeClr val="phClr">
+                <a:tint val="93000"/>
+                <a:satMod val="150000"/>
+                <a:shade val="98000"/>
+                <a:lumMod val="102000"/>
+              </a:schemeClr>
+            </a:gs>
+            <a:gs pos="50000">
+              <a:schemeClr val="phClr">
+                <a:tint val="98000"/>
+                <a:satMod val="130000"/>
+                <a:shade val="90000"/>
+                <a:lumMod val="103000"/>
+              </a:schemeClr>
+            </a:gs>
+            <a:gs pos="100000">
+              <a:schemeClr val="phClr">
+                <a:shade val="63000"/>
+                <a:satMod val="120000"/>
+              </a:schemeClr>
+            </a:gs>
+          </a:gsLst>
+          <a:lin ang="5400000" scaled="0"/>
+        </a:gradFill>
+      </a:bgFillStyleLst>
+    </a:fmtScheme>
+  </a:themeElements>
+  <a:objectDefaults/>
+  <a:extraClrSchemeLst/>
+  <a:extLst>
+    <a:ext uri="{05A4C25C-085E-4340-85A3-A5531E510DB2}">
+      <thm15:themeFamily xmlns:thm15="http://schemas.microsoft.com/office/thememl/2012/main" name="Office Theme" id="{62F939B6-93AF-4DB8-9C6B-D6C7DFDC589F}" vid="{4A3C46E8-61CC-4603-A589-7422A47A8E4A}"/>
     </a:ext>
   </a:extLst>
 </a:theme>

--- a/Recap/Recap SW2 Yves.pptx
+++ b/Recap/Recap SW2 Yves.pptx
@@ -118,7 +118,7 @@
   </p:defaultTextStyle>
   <p:extLst>
     <p:ext uri="{EFAFB233-063F-42B5-8137-9DF3F51BA10A}">
-      <p15:sldGuideLst xmlns:p15="http://schemas.microsoft.com/office/powerpoint/2012/main">
+      <p15:sldGuideLst xmlns:p15="http://schemas.microsoft.com/office/powerpoint/2012/main" xmlns="">
         <p15:guide id="1" orient="horz" pos="2160">
           <p15:clr>
             <a:srgbClr val="A4A3A4"/>
@@ -217,7 +217,8 @@
           <a:p>
             <a:fld id="{93B493AD-FEE5-464E-9BF9-EB42E18EAF28}" type="datetimeFigureOut">
               <a:rPr lang="en-GB" smtClean="0"/>
-              <a:t>10/03/2014</a:t>
+              <a:pPr/>
+              <a:t>05/05/2014</a:t>
             </a:fld>
             <a:endParaRPr lang="en-GB"/>
           </a:p>
@@ -376,6 +377,7 @@
           <a:p>
             <a:fld id="{55E8FBEE-7CE3-4659-92E7-0BBBA7AD52DF}" type="slidenum">
               <a:rPr lang="en-GB" smtClean="0"/>
+              <a:pPr/>
               <a:t>‹Nr.›</a:t>
             </a:fld>
             <a:endParaRPr lang="en-GB"/>
@@ -385,7 +387,7 @@
     </p:spTree>
     <p:extLst>
       <p:ext uri="{BB962C8B-B14F-4D97-AF65-F5344CB8AC3E}">
-        <p14:creationId xmlns:p14="http://schemas.microsoft.com/office/powerpoint/2010/main" val="1559516976"/>
+        <p14:creationId xmlns:p14="http://schemas.microsoft.com/office/powerpoint/2010/main" xmlns="" val="1559516976"/>
       </p:ext>
     </p:extLst>
   </p:cSld>
@@ -585,6 +587,7 @@
           <a:p>
             <a:fld id="{55E8FBEE-7CE3-4659-92E7-0BBBA7AD52DF}" type="slidenum">
               <a:rPr lang="en-GB" smtClean="0"/>
+              <a:pPr/>
               <a:t>4</a:t>
             </a:fld>
             <a:endParaRPr lang="en-GB"/>
@@ -594,7 +597,7 @@
     </p:spTree>
     <p:extLst>
       <p:ext uri="{BB962C8B-B14F-4D97-AF65-F5344CB8AC3E}">
-        <p14:creationId xmlns:p14="http://schemas.microsoft.com/office/powerpoint/2010/main" val="1229516152"/>
+        <p14:creationId xmlns:p14="http://schemas.microsoft.com/office/powerpoint/2010/main" xmlns="" val="1229516152"/>
       </p:ext>
     </p:extLst>
   </p:cSld>
@@ -736,7 +739,7 @@
             <a:fld id="{648FA0F5-583B-41D0-8988-0CEE4C1F68CE}" type="datetimeFigureOut">
               <a:rPr lang="en-GB" smtClean="0"/>
               <a:pPr/>
-              <a:t>10/03/2014</a:t>
+              <a:t>05/05/2014</a:t>
             </a:fld>
             <a:endParaRPr lang="en-GB"/>
           </a:p>
@@ -788,7 +791,7 @@
     </p:spTree>
     <p:extLst>
       <p:ext uri="{BB962C8B-B14F-4D97-AF65-F5344CB8AC3E}">
-        <p14:creationId xmlns:p14="http://schemas.microsoft.com/office/powerpoint/2010/main" val="525252326"/>
+        <p14:creationId xmlns:p14="http://schemas.microsoft.com/office/powerpoint/2010/main" xmlns="" val="525252326"/>
       </p:ext>
     </p:extLst>
   </p:cSld>
@@ -908,7 +911,7 @@
             <a:fld id="{648FA0F5-583B-41D0-8988-0CEE4C1F68CE}" type="datetimeFigureOut">
               <a:rPr lang="en-GB" smtClean="0"/>
               <a:pPr/>
-              <a:t>10/03/2014</a:t>
+              <a:t>05/05/2014</a:t>
             </a:fld>
             <a:endParaRPr lang="en-GB"/>
           </a:p>
@@ -960,7 +963,7 @@
     </p:spTree>
     <p:extLst>
       <p:ext uri="{BB962C8B-B14F-4D97-AF65-F5344CB8AC3E}">
-        <p14:creationId xmlns:p14="http://schemas.microsoft.com/office/powerpoint/2010/main" val="472806435"/>
+        <p14:creationId xmlns:p14="http://schemas.microsoft.com/office/powerpoint/2010/main" xmlns="" val="472806435"/>
       </p:ext>
     </p:extLst>
   </p:cSld>
@@ -1090,7 +1093,7 @@
             <a:fld id="{648FA0F5-583B-41D0-8988-0CEE4C1F68CE}" type="datetimeFigureOut">
               <a:rPr lang="en-GB" smtClean="0"/>
               <a:pPr/>
-              <a:t>10/03/2014</a:t>
+              <a:t>05/05/2014</a:t>
             </a:fld>
             <a:endParaRPr lang="en-GB"/>
           </a:p>
@@ -1142,7 +1145,7 @@
     </p:spTree>
     <p:extLst>
       <p:ext uri="{BB962C8B-B14F-4D97-AF65-F5344CB8AC3E}">
-        <p14:creationId xmlns:p14="http://schemas.microsoft.com/office/powerpoint/2010/main" val="213450818"/>
+        <p14:creationId xmlns:p14="http://schemas.microsoft.com/office/powerpoint/2010/main" xmlns="" val="213450818"/>
       </p:ext>
     </p:extLst>
   </p:cSld>
@@ -1262,7 +1265,7 @@
             <a:fld id="{648FA0F5-583B-41D0-8988-0CEE4C1F68CE}" type="datetimeFigureOut">
               <a:rPr lang="en-GB" smtClean="0"/>
               <a:pPr/>
-              <a:t>10/03/2014</a:t>
+              <a:t>05/05/2014</a:t>
             </a:fld>
             <a:endParaRPr lang="en-GB"/>
           </a:p>
@@ -1314,7 +1317,7 @@
     </p:spTree>
     <p:extLst>
       <p:ext uri="{BB962C8B-B14F-4D97-AF65-F5344CB8AC3E}">
-        <p14:creationId xmlns:p14="http://schemas.microsoft.com/office/powerpoint/2010/main" val="3904109904"/>
+        <p14:creationId xmlns:p14="http://schemas.microsoft.com/office/powerpoint/2010/main" xmlns="" val="3904109904"/>
       </p:ext>
     </p:extLst>
   </p:cSld>
@@ -1510,7 +1513,7 @@
             <a:fld id="{648FA0F5-583B-41D0-8988-0CEE4C1F68CE}" type="datetimeFigureOut">
               <a:rPr lang="en-GB" smtClean="0"/>
               <a:pPr/>
-              <a:t>10/03/2014</a:t>
+              <a:t>05/05/2014</a:t>
             </a:fld>
             <a:endParaRPr lang="en-GB"/>
           </a:p>
@@ -1562,7 +1565,7 @@
     </p:spTree>
     <p:extLst>
       <p:ext uri="{BB962C8B-B14F-4D97-AF65-F5344CB8AC3E}">
-        <p14:creationId xmlns:p14="http://schemas.microsoft.com/office/powerpoint/2010/main" val="904019877"/>
+        <p14:creationId xmlns:p14="http://schemas.microsoft.com/office/powerpoint/2010/main" xmlns="" val="904019877"/>
       </p:ext>
     </p:extLst>
   </p:cSld>
@@ -1744,7 +1747,7 @@
             <a:fld id="{648FA0F5-583B-41D0-8988-0CEE4C1F68CE}" type="datetimeFigureOut">
               <a:rPr lang="en-GB" smtClean="0"/>
               <a:pPr/>
-              <a:t>10/03/2014</a:t>
+              <a:t>05/05/2014</a:t>
             </a:fld>
             <a:endParaRPr lang="en-GB"/>
           </a:p>
@@ -1796,7 +1799,7 @@
     </p:spTree>
     <p:extLst>
       <p:ext uri="{BB962C8B-B14F-4D97-AF65-F5344CB8AC3E}">
-        <p14:creationId xmlns:p14="http://schemas.microsoft.com/office/powerpoint/2010/main" val="2037261282"/>
+        <p14:creationId xmlns:p14="http://schemas.microsoft.com/office/powerpoint/2010/main" xmlns="" val="2037261282"/>
       </p:ext>
     </p:extLst>
   </p:cSld>
@@ -2113,7 +2116,7 @@
             <a:fld id="{648FA0F5-583B-41D0-8988-0CEE4C1F68CE}" type="datetimeFigureOut">
               <a:rPr lang="en-GB" smtClean="0"/>
               <a:pPr/>
-              <a:t>10/03/2014</a:t>
+              <a:t>05/05/2014</a:t>
             </a:fld>
             <a:endParaRPr lang="en-GB"/>
           </a:p>
@@ -2165,7 +2168,7 @@
     </p:spTree>
     <p:extLst>
       <p:ext uri="{BB962C8B-B14F-4D97-AF65-F5344CB8AC3E}">
-        <p14:creationId xmlns:p14="http://schemas.microsoft.com/office/powerpoint/2010/main" val="1720966347"/>
+        <p14:creationId xmlns:p14="http://schemas.microsoft.com/office/powerpoint/2010/main" xmlns="" val="1720966347"/>
       </p:ext>
     </p:extLst>
   </p:cSld>
@@ -2233,7 +2236,7 @@
             <a:fld id="{648FA0F5-583B-41D0-8988-0CEE4C1F68CE}" type="datetimeFigureOut">
               <a:rPr lang="en-GB" smtClean="0"/>
               <a:pPr/>
-              <a:t>10/03/2014</a:t>
+              <a:t>05/05/2014</a:t>
             </a:fld>
             <a:endParaRPr lang="en-GB"/>
           </a:p>
@@ -2285,7 +2288,7 @@
     </p:spTree>
     <p:extLst>
       <p:ext uri="{BB962C8B-B14F-4D97-AF65-F5344CB8AC3E}">
-        <p14:creationId xmlns:p14="http://schemas.microsoft.com/office/powerpoint/2010/main" val="90781609"/>
+        <p14:creationId xmlns:p14="http://schemas.microsoft.com/office/powerpoint/2010/main" xmlns="" val="90781609"/>
       </p:ext>
     </p:extLst>
   </p:cSld>
@@ -2330,7 +2333,7 @@
             <a:fld id="{648FA0F5-583B-41D0-8988-0CEE4C1F68CE}" type="datetimeFigureOut">
               <a:rPr lang="en-GB" smtClean="0"/>
               <a:pPr/>
-              <a:t>10/03/2014</a:t>
+              <a:t>05/05/2014</a:t>
             </a:fld>
             <a:endParaRPr lang="en-GB"/>
           </a:p>
@@ -2382,7 +2385,7 @@
     </p:spTree>
     <p:extLst>
       <p:ext uri="{BB962C8B-B14F-4D97-AF65-F5344CB8AC3E}">
-        <p14:creationId xmlns:p14="http://schemas.microsoft.com/office/powerpoint/2010/main" val="4152667495"/>
+        <p14:creationId xmlns:p14="http://schemas.microsoft.com/office/powerpoint/2010/main" xmlns="" val="4152667495"/>
       </p:ext>
     </p:extLst>
   </p:cSld>
@@ -2609,7 +2612,7 @@
             <a:fld id="{648FA0F5-583B-41D0-8988-0CEE4C1F68CE}" type="datetimeFigureOut">
               <a:rPr lang="en-GB" smtClean="0"/>
               <a:pPr/>
-              <a:t>10/03/2014</a:t>
+              <a:t>05/05/2014</a:t>
             </a:fld>
             <a:endParaRPr lang="en-GB"/>
           </a:p>
@@ -2661,7 +2664,7 @@
     </p:spTree>
     <p:extLst>
       <p:ext uri="{BB962C8B-B14F-4D97-AF65-F5344CB8AC3E}">
-        <p14:creationId xmlns:p14="http://schemas.microsoft.com/office/powerpoint/2010/main" val="4076576353"/>
+        <p14:creationId xmlns:p14="http://schemas.microsoft.com/office/powerpoint/2010/main" xmlns="" val="4076576353"/>
       </p:ext>
     </p:extLst>
   </p:cSld>
@@ -2864,7 +2867,7 @@
             <a:fld id="{648FA0F5-583B-41D0-8988-0CEE4C1F68CE}" type="datetimeFigureOut">
               <a:rPr lang="en-GB" smtClean="0"/>
               <a:pPr/>
-              <a:t>10/03/2014</a:t>
+              <a:t>05/05/2014</a:t>
             </a:fld>
             <a:endParaRPr lang="en-GB"/>
           </a:p>
@@ -2916,7 +2919,7 @@
     </p:spTree>
     <p:extLst>
       <p:ext uri="{BB962C8B-B14F-4D97-AF65-F5344CB8AC3E}">
-        <p14:creationId xmlns:p14="http://schemas.microsoft.com/office/powerpoint/2010/main" val="1859580088"/>
+        <p14:creationId xmlns:p14="http://schemas.microsoft.com/office/powerpoint/2010/main" xmlns="" val="1859580088"/>
       </p:ext>
     </p:extLst>
   </p:cSld>
@@ -3079,7 +3082,7 @@
             <a:fld id="{648FA0F5-583B-41D0-8988-0CEE4C1F68CE}" type="datetimeFigureOut">
               <a:rPr lang="en-GB" smtClean="0"/>
               <a:pPr/>
-              <a:t>10/03/2014</a:t>
+              <a:t>05/05/2014</a:t>
             </a:fld>
             <a:endParaRPr lang="en-GB"/>
           </a:p>
@@ -3167,7 +3170,7 @@
     </p:spTree>
     <p:extLst>
       <p:ext uri="{BB962C8B-B14F-4D97-AF65-F5344CB8AC3E}">
-        <p14:creationId xmlns:p14="http://schemas.microsoft.com/office/powerpoint/2010/main" val="869154123"/>
+        <p14:creationId xmlns:p14="http://schemas.microsoft.com/office/powerpoint/2010/main" xmlns="" val="869154123"/>
       </p:ext>
     </p:extLst>
   </p:cSld>
@@ -3530,7 +3533,7 @@
     </p:spTree>
     <p:extLst>
       <p:ext uri="{BB962C8B-B14F-4D97-AF65-F5344CB8AC3E}">
-        <p14:creationId xmlns:p14="http://schemas.microsoft.com/office/powerpoint/2010/main" val="2316312611"/>
+        <p14:creationId xmlns:p14="http://schemas.microsoft.com/office/powerpoint/2010/main" xmlns="" val="2316312611"/>
       </p:ext>
     </p:extLst>
   </p:cSld>
@@ -3930,7 +3933,7 @@
     </p:spTree>
     <p:extLst>
       <p:ext uri="{BB962C8B-B14F-4D97-AF65-F5344CB8AC3E}">
-        <p14:creationId xmlns:p14="http://schemas.microsoft.com/office/powerpoint/2010/main" val="44401375"/>
+        <p14:creationId xmlns:p14="http://schemas.microsoft.com/office/powerpoint/2010/main" xmlns="" val="44401375"/>
       </p:ext>
     </p:extLst>
   </p:cSld>
@@ -4203,7 +4206,7 @@
     </p:spTree>
     <p:extLst>
       <p:ext uri="{BB962C8B-B14F-4D97-AF65-F5344CB8AC3E}">
-        <p14:creationId xmlns:p14="http://schemas.microsoft.com/office/powerpoint/2010/main" val="3449942625"/>
+        <p14:creationId xmlns:p14="http://schemas.microsoft.com/office/powerpoint/2010/main" xmlns="" val="3449942625"/>
       </p:ext>
     </p:extLst>
   </p:cSld>
@@ -4388,7 +4391,7 @@
           <p:nvPr/>
         </p:nvPicPr>
         <p:blipFill>
-          <a:blip r:embed="rId2"/>
+          <a:blip r:embed="rId2" cstate="print"/>
           <a:stretch>
             <a:fillRect/>
           </a:stretch>
@@ -4406,7 +4409,7 @@
     </p:spTree>
     <p:extLst>
       <p:ext uri="{BB962C8B-B14F-4D97-AF65-F5344CB8AC3E}">
-        <p14:creationId xmlns:p14="http://schemas.microsoft.com/office/powerpoint/2010/main" val="4054263776"/>
+        <p14:creationId xmlns:p14="http://schemas.microsoft.com/office/powerpoint/2010/main" xmlns="" val="4054263776"/>
       </p:ext>
     </p:extLst>
   </p:cSld>
@@ -4503,7 +4506,7 @@
           <p:nvPr/>
         </p:nvPicPr>
         <p:blipFill>
-          <a:blip r:embed="rId3"/>
+          <a:blip r:embed="rId3" cstate="print"/>
           <a:stretch>
             <a:fillRect/>
           </a:stretch>
@@ -4521,7 +4524,7 @@
     </p:spTree>
     <p:extLst>
       <p:ext uri="{BB962C8B-B14F-4D97-AF65-F5344CB8AC3E}">
-        <p14:creationId xmlns:p14="http://schemas.microsoft.com/office/powerpoint/2010/main" val="3969884221"/>
+        <p14:creationId xmlns:p14="http://schemas.microsoft.com/office/powerpoint/2010/main" xmlns="" val="3969884221"/>
       </p:ext>
     </p:extLst>
   </p:cSld>
@@ -4626,7 +4629,7 @@
           <p:nvPr/>
         </p:nvPicPr>
         <p:blipFill>
-          <a:blip r:embed="rId2"/>
+          <a:blip r:embed="rId2" cstate="print"/>
           <a:stretch>
             <a:fillRect/>
           </a:stretch>
@@ -4644,7 +4647,7 @@
     </p:spTree>
     <p:extLst>
       <p:ext uri="{BB962C8B-B14F-4D97-AF65-F5344CB8AC3E}">
-        <p14:creationId xmlns:p14="http://schemas.microsoft.com/office/powerpoint/2010/main" val="534812656"/>
+        <p14:creationId xmlns:p14="http://schemas.microsoft.com/office/powerpoint/2010/main" xmlns="" val="534812656"/>
       </p:ext>
     </p:extLst>
   </p:cSld>
@@ -4827,7 +4830,7 @@
     </p:spTree>
     <p:extLst>
       <p:ext uri="{BB962C8B-B14F-4D97-AF65-F5344CB8AC3E}">
-        <p14:creationId xmlns:p14="http://schemas.microsoft.com/office/powerpoint/2010/main" val="4212864348"/>
+        <p14:creationId xmlns:p14="http://schemas.microsoft.com/office/powerpoint/2010/main" xmlns="" val="4212864348"/>
       </p:ext>
     </p:extLst>
   </p:cSld>
@@ -4964,7 +4967,7 @@
           <p:nvPr/>
         </p:nvPicPr>
         <p:blipFill>
-          <a:blip r:embed="rId2"/>
+          <a:blip r:embed="rId2" cstate="print"/>
           <a:stretch>
             <a:fillRect/>
           </a:stretch>
@@ -4988,7 +4991,7 @@
           <p:nvPr/>
         </p:nvPicPr>
         <p:blipFill>
-          <a:blip r:embed="rId3"/>
+          <a:blip r:embed="rId3" cstate="print"/>
           <a:stretch>
             <a:fillRect/>
           </a:stretch>
@@ -5006,7 +5009,7 @@
     </p:spTree>
     <p:extLst>
       <p:ext uri="{BB962C8B-B14F-4D97-AF65-F5344CB8AC3E}">
-        <p14:creationId xmlns:p14="http://schemas.microsoft.com/office/powerpoint/2010/main" val="3528988627"/>
+        <p14:creationId xmlns:p14="http://schemas.microsoft.com/office/powerpoint/2010/main" xmlns="" val="3528988627"/>
       </p:ext>
     </p:extLst>
   </p:cSld>
@@ -5463,7 +5466,7 @@
     </p:spTree>
     <p:extLst>
       <p:ext uri="{BB962C8B-B14F-4D97-AF65-F5344CB8AC3E}">
-        <p14:creationId xmlns:p14="http://schemas.microsoft.com/office/powerpoint/2010/main" val="539999329"/>
+        <p14:creationId xmlns:p14="http://schemas.microsoft.com/office/powerpoint/2010/main" xmlns="" val="539999329"/>
       </p:ext>
     </p:extLst>
   </p:cSld>
@@ -5882,7 +5885,7 @@
     </p:spTree>
     <p:extLst>
       <p:ext uri="{BB962C8B-B14F-4D97-AF65-F5344CB8AC3E}">
-        <p14:creationId xmlns:p14="http://schemas.microsoft.com/office/powerpoint/2010/main" val="3356774743"/>
+        <p14:creationId xmlns:p14="http://schemas.microsoft.com/office/powerpoint/2010/main" xmlns="" val="3356774743"/>
       </p:ext>
     </p:extLst>
   </p:cSld>
@@ -6412,7 +6415,7 @@
   <a:extraClrSchemeLst/>
   <a:extLst>
     <a:ext uri="{05A4C25C-085E-4340-85A3-A5531E510DB2}">
-      <thm15:themeFamily xmlns:thm15="http://schemas.microsoft.com/office/thememl/2012/main" name="Office Theme" id="{62F939B6-93AF-4DB8-9C6B-D6C7DFDC589F}" vid="{4A3C46E8-61CC-4603-A589-7422A47A8E4A}"/>
+      <thm15:themeFamily xmlns:thm15="http://schemas.microsoft.com/office/thememl/2012/main" xmlns="" name="Office Theme" id="{62F939B6-93AF-4DB8-9C6B-D6C7DFDC589F}" vid="{4A3C46E8-61CC-4603-A589-7422A47A8E4A}"/>
     </a:ext>
   </a:extLst>
 </a:theme>
@@ -6461,7 +6464,7 @@
     </a:clrScheme>
     <a:fontScheme name="Office">
       <a:majorFont>
-        <a:latin typeface="Calibri Light" panose="020F0302020204030204"/>
+        <a:latin typeface="Calibri Light"/>
         <a:ea typeface=""/>
         <a:cs typeface=""/>
         <a:font script="Jpan" typeface="ＭＳ Ｐゴシック"/>
@@ -6496,7 +6499,7 @@
         <a:font script="Geor" typeface="Sylfaen"/>
       </a:majorFont>
       <a:minorFont>
-        <a:latin typeface="Calibri" panose="020F0502020204030204"/>
+        <a:latin typeface="Calibri"/>
         <a:ea typeface=""/>
         <a:cs typeface=""/>
         <a:font script="Jpan" typeface="ＭＳ Ｐゴシック"/>
@@ -6673,7 +6676,7 @@
   <a:extraClrSchemeLst/>
   <a:extLst>
     <a:ext uri="{05A4C25C-085E-4340-85A3-A5531E510DB2}">
-      <thm15:themeFamily xmlns:thm15="http://schemas.microsoft.com/office/thememl/2012/main" name="Office Theme" id="{62F939B6-93AF-4DB8-9C6B-D6C7DFDC589F}" vid="{4A3C46E8-61CC-4603-A589-7422A47A8E4A}"/>
+      <thm15:themeFamily xmlns:thm15="http://schemas.microsoft.com/office/thememl/2012/main" xmlns="" name="Office Theme" id="{62F939B6-93AF-4DB8-9C6B-D6C7DFDC589F}" vid="{4A3C46E8-61CC-4603-A589-7422A47A8E4A}"/>
     </a:ext>
   </a:extLst>
 </a:theme>

--- a/Recap/Recap SW2 Yves.pptx
+++ b/Recap/Recap SW2 Yves.pptx
@@ -118,7 +118,7 @@
   </p:defaultTextStyle>
   <p:extLst>
     <p:ext uri="{EFAFB233-063F-42B5-8137-9DF3F51BA10A}">
-      <p15:sldGuideLst xmlns:p15="http://schemas.microsoft.com/office/powerpoint/2012/main" xmlns="">
+      <p15:sldGuideLst xmlns="" xmlns:p15="http://schemas.microsoft.com/office/powerpoint/2012/main">
         <p15:guide id="1" orient="horz" pos="2160">
           <p15:clr>
             <a:srgbClr val="A4A3A4"/>
@@ -387,7 +387,7 @@
     </p:spTree>
     <p:extLst>
       <p:ext uri="{BB962C8B-B14F-4D97-AF65-F5344CB8AC3E}">
-        <p14:creationId xmlns:p14="http://schemas.microsoft.com/office/powerpoint/2010/main" xmlns="" val="1559516976"/>
+        <p14:creationId xmlns="" xmlns:p14="http://schemas.microsoft.com/office/powerpoint/2010/main" val="1559516976"/>
       </p:ext>
     </p:extLst>
   </p:cSld>
@@ -597,7 +597,7 @@
     </p:spTree>
     <p:extLst>
       <p:ext uri="{BB962C8B-B14F-4D97-AF65-F5344CB8AC3E}">
-        <p14:creationId xmlns:p14="http://schemas.microsoft.com/office/powerpoint/2010/main" xmlns="" val="1229516152"/>
+        <p14:creationId xmlns="" xmlns:p14="http://schemas.microsoft.com/office/powerpoint/2010/main" val="1229516152"/>
       </p:ext>
     </p:extLst>
   </p:cSld>
@@ -791,7 +791,7 @@
     </p:spTree>
     <p:extLst>
       <p:ext uri="{BB962C8B-B14F-4D97-AF65-F5344CB8AC3E}">
-        <p14:creationId xmlns:p14="http://schemas.microsoft.com/office/powerpoint/2010/main" xmlns="" val="525252326"/>
+        <p14:creationId xmlns="" xmlns:p14="http://schemas.microsoft.com/office/powerpoint/2010/main" val="525252326"/>
       </p:ext>
     </p:extLst>
   </p:cSld>
@@ -963,7 +963,7 @@
     </p:spTree>
     <p:extLst>
       <p:ext uri="{BB962C8B-B14F-4D97-AF65-F5344CB8AC3E}">
-        <p14:creationId xmlns:p14="http://schemas.microsoft.com/office/powerpoint/2010/main" xmlns="" val="472806435"/>
+        <p14:creationId xmlns="" xmlns:p14="http://schemas.microsoft.com/office/powerpoint/2010/main" val="472806435"/>
       </p:ext>
     </p:extLst>
   </p:cSld>
@@ -1145,7 +1145,7 @@
     </p:spTree>
     <p:extLst>
       <p:ext uri="{BB962C8B-B14F-4D97-AF65-F5344CB8AC3E}">
-        <p14:creationId xmlns:p14="http://schemas.microsoft.com/office/powerpoint/2010/main" xmlns="" val="213450818"/>
+        <p14:creationId xmlns="" xmlns:p14="http://schemas.microsoft.com/office/powerpoint/2010/main" val="213450818"/>
       </p:ext>
     </p:extLst>
   </p:cSld>
@@ -1317,7 +1317,7 @@
     </p:spTree>
     <p:extLst>
       <p:ext uri="{BB962C8B-B14F-4D97-AF65-F5344CB8AC3E}">
-        <p14:creationId xmlns:p14="http://schemas.microsoft.com/office/powerpoint/2010/main" xmlns="" val="3904109904"/>
+        <p14:creationId xmlns="" xmlns:p14="http://schemas.microsoft.com/office/powerpoint/2010/main" val="3904109904"/>
       </p:ext>
     </p:extLst>
   </p:cSld>
@@ -1565,7 +1565,7 @@
     </p:spTree>
     <p:extLst>
       <p:ext uri="{BB962C8B-B14F-4D97-AF65-F5344CB8AC3E}">
-        <p14:creationId xmlns:p14="http://schemas.microsoft.com/office/powerpoint/2010/main" xmlns="" val="904019877"/>
+        <p14:creationId xmlns="" xmlns:p14="http://schemas.microsoft.com/office/powerpoint/2010/main" val="904019877"/>
       </p:ext>
     </p:extLst>
   </p:cSld>
@@ -1799,7 +1799,7 @@
     </p:spTree>
     <p:extLst>
       <p:ext uri="{BB962C8B-B14F-4D97-AF65-F5344CB8AC3E}">
-        <p14:creationId xmlns:p14="http://schemas.microsoft.com/office/powerpoint/2010/main" xmlns="" val="2037261282"/>
+        <p14:creationId xmlns="" xmlns:p14="http://schemas.microsoft.com/office/powerpoint/2010/main" val="2037261282"/>
       </p:ext>
     </p:extLst>
   </p:cSld>
@@ -2168,7 +2168,7 @@
     </p:spTree>
     <p:extLst>
       <p:ext uri="{BB962C8B-B14F-4D97-AF65-F5344CB8AC3E}">
-        <p14:creationId xmlns:p14="http://schemas.microsoft.com/office/powerpoint/2010/main" xmlns="" val="1720966347"/>
+        <p14:creationId xmlns="" xmlns:p14="http://schemas.microsoft.com/office/powerpoint/2010/main" val="1720966347"/>
       </p:ext>
     </p:extLst>
   </p:cSld>
@@ -2288,7 +2288,7 @@
     </p:spTree>
     <p:extLst>
       <p:ext uri="{BB962C8B-B14F-4D97-AF65-F5344CB8AC3E}">
-        <p14:creationId xmlns:p14="http://schemas.microsoft.com/office/powerpoint/2010/main" xmlns="" val="90781609"/>
+        <p14:creationId xmlns="" xmlns:p14="http://schemas.microsoft.com/office/powerpoint/2010/main" val="90781609"/>
       </p:ext>
     </p:extLst>
   </p:cSld>
@@ -2385,7 +2385,7 @@
     </p:spTree>
     <p:extLst>
       <p:ext uri="{BB962C8B-B14F-4D97-AF65-F5344CB8AC3E}">
-        <p14:creationId xmlns:p14="http://schemas.microsoft.com/office/powerpoint/2010/main" xmlns="" val="4152667495"/>
+        <p14:creationId xmlns="" xmlns:p14="http://schemas.microsoft.com/office/powerpoint/2010/main" val="4152667495"/>
       </p:ext>
     </p:extLst>
   </p:cSld>
@@ -2664,7 +2664,7 @@
     </p:spTree>
     <p:extLst>
       <p:ext uri="{BB962C8B-B14F-4D97-AF65-F5344CB8AC3E}">
-        <p14:creationId xmlns:p14="http://schemas.microsoft.com/office/powerpoint/2010/main" xmlns="" val="4076576353"/>
+        <p14:creationId xmlns="" xmlns:p14="http://schemas.microsoft.com/office/powerpoint/2010/main" val="4076576353"/>
       </p:ext>
     </p:extLst>
   </p:cSld>
@@ -2919,7 +2919,7 @@
     </p:spTree>
     <p:extLst>
       <p:ext uri="{BB962C8B-B14F-4D97-AF65-F5344CB8AC3E}">
-        <p14:creationId xmlns:p14="http://schemas.microsoft.com/office/powerpoint/2010/main" xmlns="" val="1859580088"/>
+        <p14:creationId xmlns="" xmlns:p14="http://schemas.microsoft.com/office/powerpoint/2010/main" val="1859580088"/>
       </p:ext>
     </p:extLst>
   </p:cSld>
@@ -3170,7 +3170,7 @@
     </p:spTree>
     <p:extLst>
       <p:ext uri="{BB962C8B-B14F-4D97-AF65-F5344CB8AC3E}">
-        <p14:creationId xmlns:p14="http://schemas.microsoft.com/office/powerpoint/2010/main" xmlns="" val="869154123"/>
+        <p14:creationId xmlns="" xmlns:p14="http://schemas.microsoft.com/office/powerpoint/2010/main" val="869154123"/>
       </p:ext>
     </p:extLst>
   </p:cSld>
@@ -3505,7 +3505,7 @@
           <a:p>
             <a:r>
               <a:rPr lang="en-GB" smtClean="0"/>
-              <a:t>REKÄP</a:t>
+              <a:t>REKKKÄP</a:t>
             </a:r>
             <a:endParaRPr lang="en-GB" dirty="0"/>
           </a:p>
@@ -3533,7 +3533,7 @@
     </p:spTree>
     <p:extLst>
       <p:ext uri="{BB962C8B-B14F-4D97-AF65-F5344CB8AC3E}">
-        <p14:creationId xmlns:p14="http://schemas.microsoft.com/office/powerpoint/2010/main" xmlns="" val="2316312611"/>
+        <p14:creationId xmlns="" xmlns:p14="http://schemas.microsoft.com/office/powerpoint/2010/main" val="2316312611"/>
       </p:ext>
     </p:extLst>
   </p:cSld>
@@ -3933,7 +3933,7 @@
     </p:spTree>
     <p:extLst>
       <p:ext uri="{BB962C8B-B14F-4D97-AF65-F5344CB8AC3E}">
-        <p14:creationId xmlns:p14="http://schemas.microsoft.com/office/powerpoint/2010/main" xmlns="" val="44401375"/>
+        <p14:creationId xmlns="" xmlns:p14="http://schemas.microsoft.com/office/powerpoint/2010/main" val="44401375"/>
       </p:ext>
     </p:extLst>
   </p:cSld>
@@ -4206,7 +4206,7 @@
     </p:spTree>
     <p:extLst>
       <p:ext uri="{BB962C8B-B14F-4D97-AF65-F5344CB8AC3E}">
-        <p14:creationId xmlns:p14="http://schemas.microsoft.com/office/powerpoint/2010/main" xmlns="" val="3449942625"/>
+        <p14:creationId xmlns="" xmlns:p14="http://schemas.microsoft.com/office/powerpoint/2010/main" val="3449942625"/>
       </p:ext>
     </p:extLst>
   </p:cSld>
@@ -4409,7 +4409,7 @@
     </p:spTree>
     <p:extLst>
       <p:ext uri="{BB962C8B-B14F-4D97-AF65-F5344CB8AC3E}">
-        <p14:creationId xmlns:p14="http://schemas.microsoft.com/office/powerpoint/2010/main" xmlns="" val="4054263776"/>
+        <p14:creationId xmlns="" xmlns:p14="http://schemas.microsoft.com/office/powerpoint/2010/main" val="4054263776"/>
       </p:ext>
     </p:extLst>
   </p:cSld>
@@ -4524,7 +4524,7 @@
     </p:spTree>
     <p:extLst>
       <p:ext uri="{BB962C8B-B14F-4D97-AF65-F5344CB8AC3E}">
-        <p14:creationId xmlns:p14="http://schemas.microsoft.com/office/powerpoint/2010/main" xmlns="" val="3969884221"/>
+        <p14:creationId xmlns="" xmlns:p14="http://schemas.microsoft.com/office/powerpoint/2010/main" val="3969884221"/>
       </p:ext>
     </p:extLst>
   </p:cSld>
@@ -4647,7 +4647,7 @@
     </p:spTree>
     <p:extLst>
       <p:ext uri="{BB962C8B-B14F-4D97-AF65-F5344CB8AC3E}">
-        <p14:creationId xmlns:p14="http://schemas.microsoft.com/office/powerpoint/2010/main" xmlns="" val="534812656"/>
+        <p14:creationId xmlns="" xmlns:p14="http://schemas.microsoft.com/office/powerpoint/2010/main" val="534812656"/>
       </p:ext>
     </p:extLst>
   </p:cSld>
@@ -4830,7 +4830,7 @@
     </p:spTree>
     <p:extLst>
       <p:ext uri="{BB962C8B-B14F-4D97-AF65-F5344CB8AC3E}">
-        <p14:creationId xmlns:p14="http://schemas.microsoft.com/office/powerpoint/2010/main" xmlns="" val="4212864348"/>
+        <p14:creationId xmlns="" xmlns:p14="http://schemas.microsoft.com/office/powerpoint/2010/main" val="4212864348"/>
       </p:ext>
     </p:extLst>
   </p:cSld>
@@ -5009,7 +5009,7 @@
     </p:spTree>
     <p:extLst>
       <p:ext uri="{BB962C8B-B14F-4D97-AF65-F5344CB8AC3E}">
-        <p14:creationId xmlns:p14="http://schemas.microsoft.com/office/powerpoint/2010/main" xmlns="" val="3528988627"/>
+        <p14:creationId xmlns="" xmlns:p14="http://schemas.microsoft.com/office/powerpoint/2010/main" val="3528988627"/>
       </p:ext>
     </p:extLst>
   </p:cSld>
@@ -5466,7 +5466,7 @@
     </p:spTree>
     <p:extLst>
       <p:ext uri="{BB962C8B-B14F-4D97-AF65-F5344CB8AC3E}">
-        <p14:creationId xmlns:p14="http://schemas.microsoft.com/office/powerpoint/2010/main" xmlns="" val="539999329"/>
+        <p14:creationId xmlns="" xmlns:p14="http://schemas.microsoft.com/office/powerpoint/2010/main" val="539999329"/>
       </p:ext>
     </p:extLst>
   </p:cSld>
@@ -5885,7 +5885,7 @@
     </p:spTree>
     <p:extLst>
       <p:ext uri="{BB962C8B-B14F-4D97-AF65-F5344CB8AC3E}">
-        <p14:creationId xmlns:p14="http://schemas.microsoft.com/office/powerpoint/2010/main" xmlns="" val="3356774743"/>
+        <p14:creationId xmlns="" xmlns:p14="http://schemas.microsoft.com/office/powerpoint/2010/main" val="3356774743"/>
       </p:ext>
     </p:extLst>
   </p:cSld>
@@ -6415,7 +6415,7 @@
   <a:extraClrSchemeLst/>
   <a:extLst>
     <a:ext uri="{05A4C25C-085E-4340-85A3-A5531E510DB2}">
-      <thm15:themeFamily xmlns:thm15="http://schemas.microsoft.com/office/thememl/2012/main" xmlns="" name="Office Theme" id="{62F939B6-93AF-4DB8-9C6B-D6C7DFDC589F}" vid="{4A3C46E8-61CC-4603-A589-7422A47A8E4A}"/>
+      <thm15:themeFamily xmlns="" xmlns:thm15="http://schemas.microsoft.com/office/thememl/2012/main" name="Office Theme" id="{62F939B6-93AF-4DB8-9C6B-D6C7DFDC589F}" vid="{4A3C46E8-61CC-4603-A589-7422A47A8E4A}"/>
     </a:ext>
   </a:extLst>
 </a:theme>
@@ -6676,7 +6676,7 @@
   <a:extraClrSchemeLst/>
   <a:extLst>
     <a:ext uri="{05A4C25C-085E-4340-85A3-A5531E510DB2}">
-      <thm15:themeFamily xmlns:thm15="http://schemas.microsoft.com/office/thememl/2012/main" xmlns="" name="Office Theme" id="{62F939B6-93AF-4DB8-9C6B-D6C7DFDC589F}" vid="{4A3C46E8-61CC-4603-A589-7422A47A8E4A}"/>
+      <thm15:themeFamily xmlns="" xmlns:thm15="http://schemas.microsoft.com/office/thememl/2012/main" name="Office Theme" id="{62F939B6-93AF-4DB8-9C6B-D6C7DFDC589F}" vid="{4A3C46E8-61CC-4603-A589-7422A47A8E4A}"/>
     </a:ext>
   </a:extLst>
 </a:theme>
